--- a/Lecture05_Matching/Lecture5_Matching_2022F.pptx
+++ b/Lecture05_Matching/Lecture5_Matching_2022F.pptx
@@ -466,7 +466,7 @@
           <a:p>
             <a:fld id="{EF911157-0FC2-4F06-8D61-FD647FE4E19D}" type="datetimeFigureOut">
               <a:rPr lang="en-US" smtClean="0"/>
-              <a:t>8/11/2022</a:t>
+              <a:t>8/23/2022</a:t>
             </a:fld>
             <a:endParaRPr lang="en-US"/>
           </a:p>
@@ -2176,15 +2176,7 @@
             </a:r>
             <a:r>
               <a:rPr lang="en-CA" dirty="0"/>
-              <a:t> yet, will in future lectures. If I have two </a:t>
-            </a:r>
-            <a:r>
-              <a:rPr lang="en-CA" dirty="0" err="1"/>
-              <a:t>observatiosn</a:t>
-            </a:r>
-            <a:r>
-              <a:rPr lang="en-CA" dirty="0"/>
-              <a:t> with similar propensities but only one is treated, then differences across those observations are more likely to be treatment related, right? </a:t>
+              <a:t> yet, will in future lectures. If I have two observations with similar propensities but only one is treated, then differences across those observations are more likely to be treatment related, right? But the true propensity score is (of course) unknown </a:t>
             </a:r>
           </a:p>
         </p:txBody>
@@ -3647,7 +3639,7 @@
             <a:fld id="{0972D05C-DCFB-4BB6-B49C-AC126BF3ED2C}" type="datetimeFigureOut">
               <a:rPr lang="en-US" smtClean="0"/>
               <a:pPr/>
-              <a:t>8/11/2022</a:t>
+              <a:t>8/23/2022</a:t>
             </a:fld>
             <a:endParaRPr lang="en-US"/>
           </a:p>
@@ -3877,7 +3869,7 @@
             <a:fld id="{0972D05C-DCFB-4BB6-B49C-AC126BF3ED2C}" type="datetimeFigureOut">
               <a:rPr lang="en-US" smtClean="0"/>
               <a:pPr/>
-              <a:t>8/11/2022</a:t>
+              <a:t>8/23/2022</a:t>
             </a:fld>
             <a:endParaRPr lang="en-US"/>
           </a:p>
@@ -4059,7 +4051,7 @@
             <a:fld id="{0972D05C-DCFB-4BB6-B49C-AC126BF3ED2C}" type="datetimeFigureOut">
               <a:rPr lang="en-US" smtClean="0"/>
               <a:pPr/>
-              <a:t>8/11/2022</a:t>
+              <a:t>8/23/2022</a:t>
             </a:fld>
             <a:endParaRPr lang="en-US"/>
           </a:p>
@@ -4231,7 +4223,7 @@
             <a:fld id="{0972D05C-DCFB-4BB6-B49C-AC126BF3ED2C}" type="datetimeFigureOut">
               <a:rPr lang="en-US" smtClean="0"/>
               <a:pPr/>
-              <a:t>8/11/2022</a:t>
+              <a:t>8/23/2022</a:t>
             </a:fld>
             <a:endParaRPr lang="en-US"/>
           </a:p>
@@ -4487,7 +4479,7 @@
             <a:fld id="{0972D05C-DCFB-4BB6-B49C-AC126BF3ED2C}" type="datetimeFigureOut">
               <a:rPr lang="en-US" smtClean="0"/>
               <a:pPr/>
-              <a:t>8/11/2022</a:t>
+              <a:t>8/23/2022</a:t>
             </a:fld>
             <a:endParaRPr lang="en-US"/>
           </a:p>
@@ -4815,7 +4807,7 @@
             <a:fld id="{0972D05C-DCFB-4BB6-B49C-AC126BF3ED2C}" type="datetimeFigureOut">
               <a:rPr lang="en-US" smtClean="0"/>
               <a:pPr/>
-              <a:t>8/11/2022</a:t>
+              <a:t>8/23/2022</a:t>
             </a:fld>
             <a:endParaRPr lang="en-US"/>
           </a:p>
@@ -5268,7 +5260,7 @@
             <a:fld id="{0972D05C-DCFB-4BB6-B49C-AC126BF3ED2C}" type="datetimeFigureOut">
               <a:rPr lang="en-US" smtClean="0"/>
               <a:pPr/>
-              <a:t>8/11/2022</a:t>
+              <a:t>8/23/2022</a:t>
             </a:fld>
             <a:endParaRPr lang="en-US"/>
           </a:p>
@@ -5388,7 +5380,7 @@
             <a:fld id="{0972D05C-DCFB-4BB6-B49C-AC126BF3ED2C}" type="datetimeFigureOut">
               <a:rPr lang="en-US" smtClean="0"/>
               <a:pPr/>
-              <a:t>8/11/2022</a:t>
+              <a:t>8/23/2022</a:t>
             </a:fld>
             <a:endParaRPr lang="en-US"/>
           </a:p>
@@ -5485,7 +5477,7 @@
             <a:fld id="{0972D05C-DCFB-4BB6-B49C-AC126BF3ED2C}" type="datetimeFigureOut">
               <a:rPr lang="en-US" smtClean="0"/>
               <a:pPr/>
-              <a:t>8/11/2022</a:t>
+              <a:t>8/23/2022</a:t>
             </a:fld>
             <a:endParaRPr lang="en-US"/>
           </a:p>
@@ -5774,7 +5766,7 @@
             <a:fld id="{0972D05C-DCFB-4BB6-B49C-AC126BF3ED2C}" type="datetimeFigureOut">
               <a:rPr lang="en-US" smtClean="0"/>
               <a:pPr/>
-              <a:t>8/11/2022</a:t>
+              <a:t>8/23/2022</a:t>
             </a:fld>
             <a:endParaRPr lang="en-US"/>
           </a:p>
@@ -6098,7 +6090,7 @@
             <a:fld id="{0972D05C-DCFB-4BB6-B49C-AC126BF3ED2C}" type="datetimeFigureOut">
               <a:rPr lang="en-US" smtClean="0"/>
               <a:pPr/>
-              <a:t>8/11/2022</a:t>
+              <a:t>8/23/2022</a:t>
             </a:fld>
             <a:endParaRPr lang="en-US"/>
           </a:p>
@@ -6353,7 +6345,7 @@
             <a:fld id="{0972D05C-DCFB-4BB6-B49C-AC126BF3ED2C}" type="datetimeFigureOut">
               <a:rPr lang="en-US" smtClean="0"/>
               <a:pPr/>
-              <a:t>8/11/2022</a:t>
+              <a:t>8/23/2022</a:t>
             </a:fld>
             <a:endParaRPr lang="en-US" dirty="0"/>
           </a:p>
@@ -10844,8 +10836,8 @@
           </a:p>
         </p:txBody>
       </p:sp>
-      <mc:AlternateContent xmlns:mc="http://schemas.openxmlformats.org/markup-compatibility/2006" xmlns:a14="http://schemas.microsoft.com/office/drawing/2010/main">
-        <mc:Choice Requires="a14">
+      <mc:AlternateContent xmlns:mc="http://schemas.openxmlformats.org/markup-compatibility/2006">
+        <mc:Choice xmlns:a14="http://schemas.microsoft.com/office/drawing/2010/main" Requires="a14">
           <p:sp>
             <p:nvSpPr>
               <p:cNvPr id="3" name="Content Placeholder 2"/>
@@ -10954,17 +10946,14 @@
                 </a:endParaRPr>
               </a:p>
               <a:p>
-                <a:r>
-                  <a:rPr lang="en-US" sz="2400" dirty="0">
-                    <a:cs typeface="Times New Roman" panose="02020603050405020304" pitchFamily="18" charset="0"/>
-                  </a:rPr>
-                  <a:t>\</a:t>
-                </a:r>
+                <a:endParaRPr lang="en-US" sz="2400" dirty="0">
+                  <a:cs typeface="Times New Roman" panose="02020603050405020304" pitchFamily="18" charset="0"/>
+                </a:endParaRPr>
               </a:p>
             </p:txBody>
           </p:sp>
         </mc:Choice>
-        <mc:Fallback xmlns="">
+        <mc:Fallback>
           <p:sp>
             <p:nvSpPr>
               <p:cNvPr id="3" name="Content Placeholder 2"/>
@@ -15834,8 +15823,8 @@
           </a:p>
         </p:txBody>
       </p:sp>
-      <mc:AlternateContent xmlns:mc="http://schemas.openxmlformats.org/markup-compatibility/2006">
-        <mc:Choice xmlns:a14="http://schemas.microsoft.com/office/drawing/2010/main" Requires="a14">
+      <mc:AlternateContent xmlns:mc="http://schemas.openxmlformats.org/markup-compatibility/2006" xmlns:a14="http://schemas.microsoft.com/office/drawing/2010/main">
+        <mc:Choice Requires="a14">
           <p:sp>
             <p:nvSpPr>
               <p:cNvPr id="3" name="Content Placeholder 2"/>
@@ -16091,7 +16080,7 @@
             </p:txBody>
           </p:sp>
         </mc:Choice>
-        <mc:Fallback>
+        <mc:Fallback xmlns="">
           <p:sp>
             <p:nvSpPr>
               <p:cNvPr id="3" name="Content Placeholder 2"/>
@@ -16371,8 +16360,8 @@
           </a:prstGeom>
         </p:spPr>
       </p:pic>
-      <mc:AlternateContent xmlns:mc="http://schemas.openxmlformats.org/markup-compatibility/2006">
-        <mc:Choice xmlns:p14="http://schemas.microsoft.com/office/powerpoint/2010/main" Requires="p14">
+      <mc:AlternateContent xmlns:mc="http://schemas.openxmlformats.org/markup-compatibility/2006" xmlns:p14="http://schemas.microsoft.com/office/powerpoint/2010/main">
+        <mc:Choice Requires="p14">
           <p:contentPart p14:bwMode="auto" r:id="rId4">
             <p14:nvContentPartPr>
               <p14:cNvPr id="6" name="Ink 5">
@@ -16391,7 +16380,7 @@
             </p14:xfrm>
           </p:contentPart>
         </mc:Choice>
-        <mc:Fallback>
+        <mc:Fallback xmlns="">
           <p:pic>
             <p:nvPicPr>
               <p:cNvPr id="6" name="Ink 5">
@@ -16422,8 +16411,8 @@
           </p:pic>
         </mc:Fallback>
       </mc:AlternateContent>
-      <mc:AlternateContent xmlns:mc="http://schemas.openxmlformats.org/markup-compatibility/2006">
-        <mc:Choice xmlns:p14="http://schemas.microsoft.com/office/powerpoint/2010/main" Requires="p14">
+      <mc:AlternateContent xmlns:mc="http://schemas.openxmlformats.org/markup-compatibility/2006" xmlns:p14="http://schemas.microsoft.com/office/powerpoint/2010/main">
+        <mc:Choice Requires="p14">
           <p:contentPart p14:bwMode="auto" r:id="rId6">
             <p14:nvContentPartPr>
               <p14:cNvPr id="7" name="Ink 6">
@@ -16442,7 +16431,7 @@
             </p14:xfrm>
           </p:contentPart>
         </mc:Choice>
-        <mc:Fallback>
+        <mc:Fallback xmlns="">
           <p:pic>
             <p:nvPicPr>
               <p:cNvPr id="7" name="Ink 6">
@@ -16473,8 +16462,8 @@
           </p:pic>
         </mc:Fallback>
       </mc:AlternateContent>
-      <mc:AlternateContent xmlns:mc="http://schemas.openxmlformats.org/markup-compatibility/2006">
-        <mc:Choice xmlns:p14="http://schemas.microsoft.com/office/powerpoint/2010/main" Requires="p14">
+      <mc:AlternateContent xmlns:mc="http://schemas.openxmlformats.org/markup-compatibility/2006" xmlns:p14="http://schemas.microsoft.com/office/powerpoint/2010/main">
+        <mc:Choice Requires="p14">
           <p:contentPart p14:bwMode="auto" r:id="rId8">
             <p14:nvContentPartPr>
               <p14:cNvPr id="10" name="Ink 9">
@@ -16493,7 +16482,7 @@
             </p14:xfrm>
           </p:contentPart>
         </mc:Choice>
-        <mc:Fallback>
+        <mc:Fallback xmlns="">
           <p:pic>
             <p:nvPicPr>
               <p:cNvPr id="10" name="Ink 9">
@@ -16524,8 +16513,8 @@
           </p:pic>
         </mc:Fallback>
       </mc:AlternateContent>
-      <mc:AlternateContent xmlns:mc="http://schemas.openxmlformats.org/markup-compatibility/2006">
-        <mc:Choice xmlns:p14="http://schemas.microsoft.com/office/powerpoint/2010/main" Requires="p14">
+      <mc:AlternateContent xmlns:mc="http://schemas.openxmlformats.org/markup-compatibility/2006" xmlns:p14="http://schemas.microsoft.com/office/powerpoint/2010/main">
+        <mc:Choice Requires="p14">
           <p:contentPart p14:bwMode="auto" r:id="rId10">
             <p14:nvContentPartPr>
               <p14:cNvPr id="11" name="Ink 10">
@@ -16544,7 +16533,7 @@
             </p14:xfrm>
           </p:contentPart>
         </mc:Choice>
-        <mc:Fallback>
+        <mc:Fallback xmlns="">
           <p:pic>
             <p:nvPicPr>
               <p:cNvPr id="11" name="Ink 10">
@@ -16575,8 +16564,8 @@
           </p:pic>
         </mc:Fallback>
       </mc:AlternateContent>
-      <mc:AlternateContent xmlns:mc="http://schemas.openxmlformats.org/markup-compatibility/2006">
-        <mc:Choice xmlns:p14="http://schemas.microsoft.com/office/powerpoint/2010/main" Requires="p14">
+      <mc:AlternateContent xmlns:mc="http://schemas.openxmlformats.org/markup-compatibility/2006" xmlns:p14="http://schemas.microsoft.com/office/powerpoint/2010/main">
+        <mc:Choice Requires="p14">
           <p:contentPart p14:bwMode="auto" r:id="rId12">
             <p14:nvContentPartPr>
               <p14:cNvPr id="12" name="Ink 11">
@@ -16595,7 +16584,7 @@
             </p14:xfrm>
           </p:contentPart>
         </mc:Choice>
-        <mc:Fallback>
+        <mc:Fallback xmlns="">
           <p:pic>
             <p:nvPicPr>
               <p:cNvPr id="12" name="Ink 11">
@@ -16626,8 +16615,8 @@
           </p:pic>
         </mc:Fallback>
       </mc:AlternateContent>
-      <mc:AlternateContent xmlns:mc="http://schemas.openxmlformats.org/markup-compatibility/2006">
-        <mc:Choice xmlns:p14="http://schemas.microsoft.com/office/powerpoint/2010/main" Requires="p14">
+      <mc:AlternateContent xmlns:mc="http://schemas.openxmlformats.org/markup-compatibility/2006" xmlns:p14="http://schemas.microsoft.com/office/powerpoint/2010/main">
+        <mc:Choice Requires="p14">
           <p:contentPart p14:bwMode="auto" r:id="rId14">
             <p14:nvContentPartPr>
               <p14:cNvPr id="13" name="Ink 12">
@@ -16646,7 +16635,7 @@
             </p14:xfrm>
           </p:contentPart>
         </mc:Choice>
-        <mc:Fallback>
+        <mc:Fallback xmlns="">
           <p:pic>
             <p:nvPicPr>
               <p:cNvPr id="13" name="Ink 12">
@@ -16677,8 +16666,8 @@
           </p:pic>
         </mc:Fallback>
       </mc:AlternateContent>
-      <mc:AlternateContent xmlns:mc="http://schemas.openxmlformats.org/markup-compatibility/2006">
-        <mc:Choice xmlns:p14="http://schemas.microsoft.com/office/powerpoint/2010/main" Requires="p14">
+      <mc:AlternateContent xmlns:mc="http://schemas.openxmlformats.org/markup-compatibility/2006" xmlns:p14="http://schemas.microsoft.com/office/powerpoint/2010/main">
+        <mc:Choice Requires="p14">
           <p:contentPart p14:bwMode="auto" r:id="rId16">
             <p14:nvContentPartPr>
               <p14:cNvPr id="14" name="Ink 13">
@@ -16697,7 +16686,7 @@
             </p14:xfrm>
           </p:contentPart>
         </mc:Choice>
-        <mc:Fallback>
+        <mc:Fallback xmlns="">
           <p:pic>
             <p:nvPicPr>
               <p:cNvPr id="14" name="Ink 13">
@@ -17092,7 +17081,7 @@
           <p:nvPr/>
         </p:nvPicPr>
         <p:blipFill>
-          <a:blip r:embed="rId3">
+          <a:blip r:embed="rId5" cstate="print">
             <a:extLst>
               <a:ext uri="{28A0092B-C50C-407E-A947-70E740481C1C}">
                 <a14:useLocalDpi xmlns:a14="http://schemas.microsoft.com/office/drawing/2010/main" val="0"/>
@@ -17189,8 +17178,8 @@
           </a:p>
         </p:txBody>
       </p:sp>
-      <mc:AlternateContent xmlns:mc="http://schemas.openxmlformats.org/markup-compatibility/2006">
-        <mc:Choice xmlns:a14="http://schemas.microsoft.com/office/drawing/2010/main" Requires="a14">
+      <mc:AlternateContent xmlns:mc="http://schemas.openxmlformats.org/markup-compatibility/2006" xmlns:a14="http://schemas.microsoft.com/office/drawing/2010/main">
+        <mc:Choice Requires="a14">
           <p:sp>
             <p:nvSpPr>
               <p:cNvPr id="3" name="Content Placeholder 2"/>
@@ -17398,7 +17387,7 @@
             </p:txBody>
           </p:sp>
         </mc:Choice>
-        <mc:Fallback>
+        <mc:Fallback xmlns="">
           <p:sp>
             <p:nvSpPr>
               <p:cNvPr id="3" name="Content Placeholder 2"/>
@@ -18057,8 +18046,8 @@
           </a:p>
         </p:txBody>
       </p:sp>
-      <mc:AlternateContent xmlns:mc="http://schemas.openxmlformats.org/markup-compatibility/2006">
-        <mc:Choice xmlns:a14="http://schemas.microsoft.com/office/drawing/2010/main" Requires="a14">
+      <mc:AlternateContent xmlns:mc="http://schemas.openxmlformats.org/markup-compatibility/2006" xmlns:a14="http://schemas.microsoft.com/office/drawing/2010/main">
+        <mc:Choice Requires="a14">
           <p:sp>
             <p:nvSpPr>
               <p:cNvPr id="3" name="Content Placeholder 2"/>
@@ -18251,7 +18240,7 @@
             </p:txBody>
           </p:sp>
         </mc:Choice>
-        <mc:Fallback>
+        <mc:Fallback xmlns="">
           <p:sp>
             <p:nvSpPr>
               <p:cNvPr id="3" name="Content Placeholder 2"/>
@@ -19047,6 +19036,62 @@
                 <a:cs typeface="Times New Roman" panose="02020603050405020304" pitchFamily="18" charset="0"/>
               </a:rPr>
               <a:t>debaucle</a:t>
+            </a:r>
+            <a:endParaRPr lang="en-US" sz="2200" dirty="0">
+              <a:solidFill>
+                <a:schemeClr val="tx1"/>
+              </a:solidFill>
+              <a:cs typeface="Times New Roman" panose="02020603050405020304" pitchFamily="18" charset="0"/>
+            </a:endParaRPr>
+          </a:p>
+          <a:p>
+            <a:pPr lvl="2"/>
+            <a:r>
+              <a:rPr lang="en-US" sz="2200" i="0" dirty="0">
+                <a:solidFill>
+                  <a:schemeClr val="tx1"/>
+                </a:solidFill>
+                <a:effectLst/>
+                <a:cs typeface="Times New Roman" panose="02020603050405020304" pitchFamily="18" charset="0"/>
+              </a:rPr>
+              <a:t>You may be throwing away data </a:t>
+            </a:r>
+            <a:r>
+              <a:rPr lang="en-US" sz="2200" i="1" dirty="0">
+                <a:solidFill>
+                  <a:schemeClr val="tx1"/>
+                </a:solidFill>
+                <a:effectLst/>
+                <a:cs typeface="Times New Roman" panose="02020603050405020304" pitchFamily="18" charset="0"/>
+              </a:rPr>
+              <a:t>and stil</a:t>
+            </a:r>
+            <a:r>
+              <a:rPr lang="en-US" sz="2200" i="1" dirty="0">
+                <a:solidFill>
+                  <a:schemeClr val="tx1"/>
+                </a:solidFill>
+                <a:cs typeface="Times New Roman" panose="02020603050405020304" pitchFamily="18" charset="0"/>
+              </a:rPr>
+              <a:t>l </a:t>
+            </a:r>
+            <a:r>
+              <a:rPr lang="en-US" sz="2200" dirty="0">
+                <a:solidFill>
+                  <a:schemeClr val="tx1"/>
+                </a:solidFill>
+                <a:cs typeface="Times New Roman" panose="02020603050405020304" pitchFamily="18" charset="0"/>
+              </a:rPr>
+              <a:t>left with biased estimates </a:t>
+            </a:r>
+            <a:r>
+              <a:rPr lang="en-US" sz="2200">
+                <a:solidFill>
+                  <a:schemeClr val="tx1"/>
+                </a:solidFill>
+                <a:cs typeface="Times New Roman" panose="02020603050405020304" pitchFamily="18" charset="0"/>
+              </a:rPr>
+              <a:t>if imbalance remains</a:t>
             </a:r>
             <a:endParaRPr lang="en-US" sz="2200" i="0" dirty="0">
               <a:solidFill>

--- a/Lecture05_Matching/Lecture5_Matching_2022F.pptx
+++ b/Lecture05_Matching/Lecture5_Matching_2022F.pptx
@@ -5,7 +5,7 @@
     <p:sldMasterId id="2147483738" r:id="rId1"/>
   </p:sldMasterIdLst>
   <p:notesMasterIdLst>
-    <p:notesMasterId r:id="rId58"/>
+    <p:notesMasterId r:id="rId60"/>
   </p:notesMasterIdLst>
   <p:sldIdLst>
     <p:sldId id="256" r:id="rId2"/>
@@ -60,10 +60,12 @@
     <p:sldId id="463" r:id="rId51"/>
     <p:sldId id="464" r:id="rId52"/>
     <p:sldId id="444" r:id="rId53"/>
-    <p:sldId id="478" r:id="rId54"/>
-    <p:sldId id="477" r:id="rId55"/>
-    <p:sldId id="445" r:id="rId56"/>
-    <p:sldId id="465" r:id="rId57"/>
+    <p:sldId id="479" r:id="rId54"/>
+    <p:sldId id="481" r:id="rId55"/>
+    <p:sldId id="478" r:id="rId56"/>
+    <p:sldId id="477" r:id="rId57"/>
+    <p:sldId id="445" r:id="rId58"/>
+    <p:sldId id="465" r:id="rId59"/>
   </p:sldIdLst>
   <p:sldSz cx="12192000" cy="6858000"/>
   <p:notesSz cx="7010400" cy="9296400"/>
@@ -466,7 +468,7 @@
           <a:p>
             <a:fld id="{EF911157-0FC2-4F06-8D61-FD647FE4E19D}" type="datetimeFigureOut">
               <a:rPr lang="en-US" smtClean="0"/>
-              <a:t>8/23/2022</a:t>
+              <a:t>9/13/2022</a:t>
             </a:fld>
             <a:endParaRPr lang="en-US"/>
           </a:p>
@@ -2828,7 +2830,7 @@
           <a:p>
             <a:fld id="{4AF79E1B-2C51-4B9B-8EA4-26DE9E345AFF}" type="slidenum">
               <a:rPr lang="en-US" smtClean="0"/>
-              <a:t>53</a:t>
+              <a:t>55</a:t>
             </a:fld>
             <a:endParaRPr lang="en-US"/>
           </a:p>
@@ -2915,7 +2917,7 @@
           <a:p>
             <a:fld id="{4AF79E1B-2C51-4B9B-8EA4-26DE9E345AFF}" type="slidenum">
               <a:rPr lang="en-US" smtClean="0"/>
-              <a:t>54</a:t>
+              <a:t>56</a:t>
             </a:fld>
             <a:endParaRPr lang="en-US"/>
           </a:p>
@@ -3639,7 +3641,7 @@
             <a:fld id="{0972D05C-DCFB-4BB6-B49C-AC126BF3ED2C}" type="datetimeFigureOut">
               <a:rPr lang="en-US" smtClean="0"/>
               <a:pPr/>
-              <a:t>8/23/2022</a:t>
+              <a:t>9/13/2022</a:t>
             </a:fld>
             <a:endParaRPr lang="en-US"/>
           </a:p>
@@ -3869,7 +3871,7 @@
             <a:fld id="{0972D05C-DCFB-4BB6-B49C-AC126BF3ED2C}" type="datetimeFigureOut">
               <a:rPr lang="en-US" smtClean="0"/>
               <a:pPr/>
-              <a:t>8/23/2022</a:t>
+              <a:t>9/13/2022</a:t>
             </a:fld>
             <a:endParaRPr lang="en-US"/>
           </a:p>
@@ -4051,7 +4053,7 @@
             <a:fld id="{0972D05C-DCFB-4BB6-B49C-AC126BF3ED2C}" type="datetimeFigureOut">
               <a:rPr lang="en-US" smtClean="0"/>
               <a:pPr/>
-              <a:t>8/23/2022</a:t>
+              <a:t>9/13/2022</a:t>
             </a:fld>
             <a:endParaRPr lang="en-US"/>
           </a:p>
@@ -4223,7 +4225,7 @@
             <a:fld id="{0972D05C-DCFB-4BB6-B49C-AC126BF3ED2C}" type="datetimeFigureOut">
               <a:rPr lang="en-US" smtClean="0"/>
               <a:pPr/>
-              <a:t>8/23/2022</a:t>
+              <a:t>9/13/2022</a:t>
             </a:fld>
             <a:endParaRPr lang="en-US"/>
           </a:p>
@@ -4479,7 +4481,7 @@
             <a:fld id="{0972D05C-DCFB-4BB6-B49C-AC126BF3ED2C}" type="datetimeFigureOut">
               <a:rPr lang="en-US" smtClean="0"/>
               <a:pPr/>
-              <a:t>8/23/2022</a:t>
+              <a:t>9/13/2022</a:t>
             </a:fld>
             <a:endParaRPr lang="en-US"/>
           </a:p>
@@ -4807,7 +4809,7 @@
             <a:fld id="{0972D05C-DCFB-4BB6-B49C-AC126BF3ED2C}" type="datetimeFigureOut">
               <a:rPr lang="en-US" smtClean="0"/>
               <a:pPr/>
-              <a:t>8/23/2022</a:t>
+              <a:t>9/13/2022</a:t>
             </a:fld>
             <a:endParaRPr lang="en-US"/>
           </a:p>
@@ -5260,7 +5262,7 @@
             <a:fld id="{0972D05C-DCFB-4BB6-B49C-AC126BF3ED2C}" type="datetimeFigureOut">
               <a:rPr lang="en-US" smtClean="0"/>
               <a:pPr/>
-              <a:t>8/23/2022</a:t>
+              <a:t>9/13/2022</a:t>
             </a:fld>
             <a:endParaRPr lang="en-US"/>
           </a:p>
@@ -5380,7 +5382,7 @@
             <a:fld id="{0972D05C-DCFB-4BB6-B49C-AC126BF3ED2C}" type="datetimeFigureOut">
               <a:rPr lang="en-US" smtClean="0"/>
               <a:pPr/>
-              <a:t>8/23/2022</a:t>
+              <a:t>9/13/2022</a:t>
             </a:fld>
             <a:endParaRPr lang="en-US"/>
           </a:p>
@@ -5477,7 +5479,7 @@
             <a:fld id="{0972D05C-DCFB-4BB6-B49C-AC126BF3ED2C}" type="datetimeFigureOut">
               <a:rPr lang="en-US" smtClean="0"/>
               <a:pPr/>
-              <a:t>8/23/2022</a:t>
+              <a:t>9/13/2022</a:t>
             </a:fld>
             <a:endParaRPr lang="en-US"/>
           </a:p>
@@ -5766,7 +5768,7 @@
             <a:fld id="{0972D05C-DCFB-4BB6-B49C-AC126BF3ED2C}" type="datetimeFigureOut">
               <a:rPr lang="en-US" smtClean="0"/>
               <a:pPr/>
-              <a:t>8/23/2022</a:t>
+              <a:t>9/13/2022</a:t>
             </a:fld>
             <a:endParaRPr lang="en-US"/>
           </a:p>
@@ -6090,7 +6092,7 @@
             <a:fld id="{0972D05C-DCFB-4BB6-B49C-AC126BF3ED2C}" type="datetimeFigureOut">
               <a:rPr lang="en-US" smtClean="0"/>
               <a:pPr/>
-              <a:t>8/23/2022</a:t>
+              <a:t>9/13/2022</a:t>
             </a:fld>
             <a:endParaRPr lang="en-US"/>
           </a:p>
@@ -6345,7 +6347,7 @@
             <a:fld id="{0972D05C-DCFB-4BB6-B49C-AC126BF3ED2C}" type="datetimeFigureOut">
               <a:rPr lang="en-US" smtClean="0"/>
               <a:pPr/>
-              <a:t>8/23/2022</a:t>
+              <a:t>9/13/2022</a:t>
             </a:fld>
             <a:endParaRPr lang="en-US" dirty="0"/>
           </a:p>
@@ -10836,8 +10838,8 @@
           </a:p>
         </p:txBody>
       </p:sp>
-      <mc:AlternateContent xmlns:mc="http://schemas.openxmlformats.org/markup-compatibility/2006">
-        <mc:Choice xmlns:a14="http://schemas.microsoft.com/office/drawing/2010/main" Requires="a14">
+      <mc:AlternateContent xmlns:mc="http://schemas.openxmlformats.org/markup-compatibility/2006" xmlns:a14="http://schemas.microsoft.com/office/drawing/2010/main">
+        <mc:Choice Requires="a14">
           <p:sp>
             <p:nvSpPr>
               <p:cNvPr id="3" name="Content Placeholder 2"/>
@@ -10953,7 +10955,7 @@
             </p:txBody>
           </p:sp>
         </mc:Choice>
-        <mc:Fallback>
+        <mc:Fallback xmlns="">
           <p:sp>
             <p:nvSpPr>
               <p:cNvPr id="3" name="Content Placeholder 2"/>
@@ -19082,16 +19084,7 @@
                 </a:solidFill>
                 <a:cs typeface="Times New Roman" panose="02020603050405020304" pitchFamily="18" charset="0"/>
               </a:rPr>
-              <a:t>left with biased estimates </a:t>
-            </a:r>
-            <a:r>
-              <a:rPr lang="en-US" sz="2200">
-                <a:solidFill>
-                  <a:schemeClr val="tx1"/>
-                </a:solidFill>
-                <a:cs typeface="Times New Roman" panose="02020603050405020304" pitchFamily="18" charset="0"/>
-              </a:rPr>
-              <a:t>if imbalance remains</a:t>
+              <a:t>left with biased estimates if imbalance remains</a:t>
             </a:r>
             <a:endParaRPr lang="en-US" sz="2200" i="0" dirty="0">
               <a:solidFill>
@@ -19229,6 +19222,430 @@
 </file>
 
 <file path=ppt/slides/slide53.xml><?xml version="1.0" encoding="utf-8"?>
+<p:sld xmlns:a="http://schemas.openxmlformats.org/drawingml/2006/main" xmlns:r="http://schemas.openxmlformats.org/officeDocument/2006/relationships" xmlns:p="http://schemas.openxmlformats.org/presentationml/2006/main">
+  <p:cSld>
+    <p:bg>
+      <p:bgPr>
+        <a:solidFill>
+          <a:schemeClr val="bg1"/>
+        </a:solidFill>
+        <a:effectLst/>
+      </p:bgPr>
+    </p:bg>
+    <p:spTree>
+      <p:nvGrpSpPr>
+        <p:cNvPr id="1" name=""/>
+        <p:cNvGrpSpPr/>
+        <p:nvPr/>
+      </p:nvGrpSpPr>
+      <p:grpSpPr>
+        <a:xfrm>
+          <a:off x="0" y="0"/>
+          <a:ext cx="0" cy="0"/>
+          <a:chOff x="0" y="0"/>
+          <a:chExt cx="0" cy="0"/>
+        </a:xfrm>
+      </p:grpSpPr>
+      <p:sp>
+        <p:nvSpPr>
+          <p:cNvPr id="2" name="Title 1">
+            <a:extLst>
+              <a:ext uri="{FF2B5EF4-FFF2-40B4-BE49-F238E27FC236}">
+                <a16:creationId xmlns:a16="http://schemas.microsoft.com/office/drawing/2014/main" id="{B7AB22A0-E94A-E437-893B-B1CACC019A21}"/>
+              </a:ext>
+            </a:extLst>
+          </p:cNvPr>
+          <p:cNvSpPr>
+            <a:spLocks noGrp="1"/>
+          </p:cNvSpPr>
+          <p:nvPr>
+            <p:ph type="title"/>
+          </p:nvPr>
+        </p:nvSpPr>
+        <p:spPr>
+          <a:xfrm>
+            <a:off x="1237489" y="640080"/>
+            <a:ext cx="2801111" cy="1325562"/>
+          </a:xfrm>
+        </p:spPr>
+        <p:txBody>
+          <a:bodyPr>
+            <a:normAutofit/>
+          </a:bodyPr>
+          <a:lstStyle/>
+          <a:p>
+            <a:r>
+              <a:rPr lang="en-US" sz="3200" b="1" dirty="0">
+                <a:solidFill>
+                  <a:schemeClr val="accent2">
+                    <a:lumMod val="75000"/>
+                  </a:schemeClr>
+                </a:solidFill>
+              </a:rPr>
+              <a:t>Problems of </a:t>
+            </a:r>
+            <a:r>
+              <a:rPr lang="en-US" sz="3200" b="1" dirty="0" err="1">
+                <a:solidFill>
+                  <a:schemeClr val="accent2">
+                    <a:lumMod val="75000"/>
+                  </a:schemeClr>
+                </a:solidFill>
+              </a:rPr>
+              <a:t>Unobservables</a:t>
+            </a:r>
+            <a:endParaRPr lang="en-US" sz="3200" b="1" dirty="0">
+              <a:solidFill>
+                <a:schemeClr val="accent2">
+                  <a:lumMod val="75000"/>
+                </a:schemeClr>
+              </a:solidFill>
+            </a:endParaRPr>
+          </a:p>
+        </p:txBody>
+      </p:sp>
+      <p:sp>
+        <p:nvSpPr>
+          <p:cNvPr id="10" name="Rectangle 9">
+            <a:extLst>
+              <a:ext uri="{FF2B5EF4-FFF2-40B4-BE49-F238E27FC236}">
+                <a16:creationId xmlns:a16="http://schemas.microsoft.com/office/drawing/2014/main" id="{0B67D982-25C5-4CC2-AA64-276BE3B2CA75}"/>
+              </a:ext>
+              <a:ext uri="{C183D7F6-B498-43B3-948B-1728B52AA6E4}">
+                <adec:decorative xmlns:adec="http://schemas.microsoft.com/office/drawing/2017/decorative" val="1"/>
+              </a:ext>
+            </a:extLst>
+          </p:cNvPr>
+          <p:cNvSpPr>
+            <a:spLocks noGrp="1" noRot="1" noChangeAspect="1" noMove="1" noResize="1" noEditPoints="1" noAdjustHandles="1" noChangeArrowheads="1" noChangeShapeType="1" noTextEdit="1"/>
+          </p:cNvSpPr>
+          <p:nvPr>
+            <p:extLst>
+              <p:ext uri="{386F3935-93C4-4BCD-93E2-E3B085C9AB24}">
+                <p16:designElem xmlns:p16="http://schemas.microsoft.com/office/powerpoint/2015/main" val="1"/>
+              </p:ext>
+            </p:extLst>
+          </p:nvPr>
+        </p:nvSpPr>
+        <p:spPr>
+          <a:xfrm>
+            <a:off x="0" y="0"/>
+            <a:ext cx="914400" cy="6858000"/>
+          </a:xfrm>
+          <a:prstGeom prst="rect">
+            <a:avLst/>
+          </a:prstGeom>
+          <a:solidFill>
+            <a:schemeClr val="accent1"/>
+          </a:solidFill>
+          <a:ln>
+            <a:noFill/>
+          </a:ln>
+        </p:spPr>
+        <p:style>
+          <a:lnRef idx="2">
+            <a:schemeClr val="accent1">
+              <a:shade val="50000"/>
+            </a:schemeClr>
+          </a:lnRef>
+          <a:fillRef idx="1">
+            <a:schemeClr val="accent1"/>
+          </a:fillRef>
+          <a:effectRef idx="0">
+            <a:schemeClr val="accent1"/>
+          </a:effectRef>
+          <a:fontRef idx="minor">
+            <a:schemeClr val="lt1"/>
+          </a:fontRef>
+        </p:style>
+      </p:sp>
+      <p:sp>
+        <p:nvSpPr>
+          <p:cNvPr id="3" name="Content Placeholder 2">
+            <a:extLst>
+              <a:ext uri="{FF2B5EF4-FFF2-40B4-BE49-F238E27FC236}">
+                <a16:creationId xmlns:a16="http://schemas.microsoft.com/office/drawing/2014/main" id="{6D5493FA-2DCA-05FA-B64D-9266E284351A}"/>
+              </a:ext>
+            </a:extLst>
+          </p:cNvPr>
+          <p:cNvSpPr>
+            <a:spLocks noGrp="1"/>
+          </p:cNvSpPr>
+          <p:nvPr>
+            <p:ph idx="1"/>
+          </p:nvPr>
+        </p:nvSpPr>
+        <p:spPr>
+          <a:xfrm>
+            <a:off x="1237489" y="2301555"/>
+            <a:ext cx="3075836" cy="3878582"/>
+          </a:xfrm>
+        </p:spPr>
+        <p:txBody>
+          <a:bodyPr>
+            <a:normAutofit/>
+          </a:bodyPr>
+          <a:lstStyle/>
+          <a:p>
+            <a:endParaRPr lang="en-US" sz="1600"/>
+          </a:p>
+        </p:txBody>
+      </p:sp>
+      <p:pic>
+        <p:nvPicPr>
+          <p:cNvPr id="5" name="Picture 4">
+            <a:extLst>
+              <a:ext uri="{FF2B5EF4-FFF2-40B4-BE49-F238E27FC236}">
+                <a16:creationId xmlns:a16="http://schemas.microsoft.com/office/drawing/2014/main" id="{57BA9F98-D64B-9189-E099-A0FE08A6967D}"/>
+              </a:ext>
+            </a:extLst>
+          </p:cNvPr>
+          <p:cNvPicPr>
+            <a:picLocks noChangeAspect="1"/>
+          </p:cNvPicPr>
+          <p:nvPr/>
+        </p:nvPicPr>
+        <p:blipFill rotWithShape="1">
+          <a:blip r:embed="rId2"/>
+          <a:srcRect t="329" r="-2" b="49805"/>
+          <a:stretch/>
+        </p:blipFill>
+        <p:spPr>
+          <a:xfrm>
+            <a:off x="5105399" y="-5536"/>
+            <a:ext cx="7086601" cy="3739336"/>
+          </a:xfrm>
+          <a:prstGeom prst="rect">
+            <a:avLst/>
+          </a:prstGeom>
+        </p:spPr>
+      </p:pic>
+    </p:spTree>
+    <p:extLst>
+      <p:ext uri="{BB962C8B-B14F-4D97-AF65-F5344CB8AC3E}">
+        <p14:creationId xmlns:p14="http://schemas.microsoft.com/office/powerpoint/2010/main" val="1504780692"/>
+      </p:ext>
+    </p:extLst>
+  </p:cSld>
+  <p:clrMapOvr>
+    <a:masterClrMapping/>
+  </p:clrMapOvr>
+</p:sld>
+</file>
+
+<file path=ppt/slides/slide54.xml><?xml version="1.0" encoding="utf-8"?>
+<p:sld xmlns:a="http://schemas.openxmlformats.org/drawingml/2006/main" xmlns:r="http://schemas.openxmlformats.org/officeDocument/2006/relationships" xmlns:p="http://schemas.openxmlformats.org/presentationml/2006/main">
+  <p:cSld>
+    <p:bg>
+      <p:bgPr>
+        <a:solidFill>
+          <a:schemeClr val="bg1"/>
+        </a:solidFill>
+        <a:effectLst/>
+      </p:bgPr>
+    </p:bg>
+    <p:spTree>
+      <p:nvGrpSpPr>
+        <p:cNvPr id="1" name=""/>
+        <p:cNvGrpSpPr/>
+        <p:nvPr/>
+      </p:nvGrpSpPr>
+      <p:grpSpPr>
+        <a:xfrm>
+          <a:off x="0" y="0"/>
+          <a:ext cx="0" cy="0"/>
+          <a:chOff x="0" y="0"/>
+          <a:chExt cx="0" cy="0"/>
+        </a:xfrm>
+      </p:grpSpPr>
+      <p:sp>
+        <p:nvSpPr>
+          <p:cNvPr id="2" name="Title 1">
+            <a:extLst>
+              <a:ext uri="{FF2B5EF4-FFF2-40B4-BE49-F238E27FC236}">
+                <a16:creationId xmlns:a16="http://schemas.microsoft.com/office/drawing/2014/main" id="{B7AB22A0-E94A-E437-893B-B1CACC019A21}"/>
+              </a:ext>
+            </a:extLst>
+          </p:cNvPr>
+          <p:cNvSpPr>
+            <a:spLocks noGrp="1"/>
+          </p:cNvSpPr>
+          <p:nvPr>
+            <p:ph type="title"/>
+          </p:nvPr>
+        </p:nvSpPr>
+        <p:spPr>
+          <a:xfrm>
+            <a:off x="1237489" y="640080"/>
+            <a:ext cx="2801111" cy="1325562"/>
+          </a:xfrm>
+        </p:spPr>
+        <p:txBody>
+          <a:bodyPr>
+            <a:normAutofit/>
+          </a:bodyPr>
+          <a:lstStyle/>
+          <a:p>
+            <a:r>
+              <a:rPr lang="en-US" sz="3200" b="1" dirty="0">
+                <a:solidFill>
+                  <a:schemeClr val="accent2">
+                    <a:lumMod val="75000"/>
+                  </a:schemeClr>
+                </a:solidFill>
+              </a:rPr>
+              <a:t>Problems of </a:t>
+            </a:r>
+            <a:r>
+              <a:rPr lang="en-US" sz="3200" b="1" dirty="0" err="1">
+                <a:solidFill>
+                  <a:schemeClr val="accent2">
+                    <a:lumMod val="75000"/>
+                  </a:schemeClr>
+                </a:solidFill>
+              </a:rPr>
+              <a:t>Unobservables</a:t>
+            </a:r>
+            <a:endParaRPr lang="en-US" sz="3200" b="1" dirty="0">
+              <a:solidFill>
+                <a:schemeClr val="accent2">
+                  <a:lumMod val="75000"/>
+                </a:schemeClr>
+              </a:solidFill>
+            </a:endParaRPr>
+          </a:p>
+        </p:txBody>
+      </p:sp>
+      <p:sp>
+        <p:nvSpPr>
+          <p:cNvPr id="10" name="Rectangle 9">
+            <a:extLst>
+              <a:ext uri="{FF2B5EF4-FFF2-40B4-BE49-F238E27FC236}">
+                <a16:creationId xmlns:a16="http://schemas.microsoft.com/office/drawing/2014/main" id="{0B67D982-25C5-4CC2-AA64-276BE3B2CA75}"/>
+              </a:ext>
+              <a:ext uri="{C183D7F6-B498-43B3-948B-1728B52AA6E4}">
+                <adec:decorative xmlns:adec="http://schemas.microsoft.com/office/drawing/2017/decorative" val="1"/>
+              </a:ext>
+            </a:extLst>
+          </p:cNvPr>
+          <p:cNvSpPr>
+            <a:spLocks noGrp="1" noRot="1" noChangeAspect="1" noMove="1" noResize="1" noEditPoints="1" noAdjustHandles="1" noChangeArrowheads="1" noChangeShapeType="1" noTextEdit="1"/>
+          </p:cNvSpPr>
+          <p:nvPr>
+            <p:extLst>
+              <p:ext uri="{386F3935-93C4-4BCD-93E2-E3B085C9AB24}">
+                <p16:designElem xmlns:p16="http://schemas.microsoft.com/office/powerpoint/2015/main" val="1"/>
+              </p:ext>
+            </p:extLst>
+          </p:nvPr>
+        </p:nvSpPr>
+        <p:spPr>
+          <a:xfrm>
+            <a:off x="0" y="0"/>
+            <a:ext cx="914400" cy="6858000"/>
+          </a:xfrm>
+          <a:prstGeom prst="rect">
+            <a:avLst/>
+          </a:prstGeom>
+          <a:solidFill>
+            <a:schemeClr val="accent1"/>
+          </a:solidFill>
+          <a:ln>
+            <a:noFill/>
+          </a:ln>
+        </p:spPr>
+        <p:style>
+          <a:lnRef idx="2">
+            <a:schemeClr val="accent1">
+              <a:shade val="50000"/>
+            </a:schemeClr>
+          </a:lnRef>
+          <a:fillRef idx="1">
+            <a:schemeClr val="accent1"/>
+          </a:fillRef>
+          <a:effectRef idx="0">
+            <a:schemeClr val="accent1"/>
+          </a:effectRef>
+          <a:fontRef idx="minor">
+            <a:schemeClr val="lt1"/>
+          </a:fontRef>
+        </p:style>
+      </p:sp>
+      <p:sp>
+        <p:nvSpPr>
+          <p:cNvPr id="3" name="Content Placeholder 2">
+            <a:extLst>
+              <a:ext uri="{FF2B5EF4-FFF2-40B4-BE49-F238E27FC236}">
+                <a16:creationId xmlns:a16="http://schemas.microsoft.com/office/drawing/2014/main" id="{6D5493FA-2DCA-05FA-B64D-9266E284351A}"/>
+              </a:ext>
+            </a:extLst>
+          </p:cNvPr>
+          <p:cNvSpPr>
+            <a:spLocks noGrp="1"/>
+          </p:cNvSpPr>
+          <p:nvPr>
+            <p:ph idx="1"/>
+          </p:nvPr>
+        </p:nvSpPr>
+        <p:spPr>
+          <a:xfrm>
+            <a:off x="1237489" y="2301555"/>
+            <a:ext cx="3075836" cy="3878582"/>
+          </a:xfrm>
+        </p:spPr>
+        <p:txBody>
+          <a:bodyPr>
+            <a:normAutofit/>
+          </a:bodyPr>
+          <a:lstStyle/>
+          <a:p>
+            <a:endParaRPr lang="en-US" sz="1600"/>
+          </a:p>
+        </p:txBody>
+      </p:sp>
+      <p:pic>
+        <p:nvPicPr>
+          <p:cNvPr id="5" name="Picture 4">
+            <a:extLst>
+              <a:ext uri="{FF2B5EF4-FFF2-40B4-BE49-F238E27FC236}">
+                <a16:creationId xmlns:a16="http://schemas.microsoft.com/office/drawing/2014/main" id="{57BA9F98-D64B-9189-E099-A0FE08A6967D}"/>
+              </a:ext>
+            </a:extLst>
+          </p:cNvPr>
+          <p:cNvPicPr>
+            <a:picLocks noChangeAspect="1"/>
+          </p:cNvPicPr>
+          <p:nvPr/>
+        </p:nvPicPr>
+        <p:blipFill rotWithShape="1">
+          <a:blip r:embed="rId2"/>
+          <a:srcRect t="330" r="-2" b="8141"/>
+          <a:stretch/>
+        </p:blipFill>
+        <p:spPr>
+          <a:xfrm>
+            <a:off x="5105399" y="-5536"/>
+            <a:ext cx="7086601" cy="6863536"/>
+          </a:xfrm>
+          <a:prstGeom prst="rect">
+            <a:avLst/>
+          </a:prstGeom>
+        </p:spPr>
+      </p:pic>
+    </p:spTree>
+    <p:extLst>
+      <p:ext uri="{BB962C8B-B14F-4D97-AF65-F5344CB8AC3E}">
+        <p14:creationId xmlns:p14="http://schemas.microsoft.com/office/powerpoint/2010/main" val="2091430630"/>
+      </p:ext>
+    </p:extLst>
+  </p:cSld>
+  <p:clrMapOvr>
+    <a:masterClrMapping/>
+  </p:clrMapOvr>
+</p:sld>
+</file>
+
+<file path=ppt/slides/slide55.xml><?xml version="1.0" encoding="utf-8"?>
 <p:sld xmlns:a="http://schemas.openxmlformats.org/drawingml/2006/main" xmlns:r="http://schemas.openxmlformats.org/officeDocument/2006/relationships" xmlns:p="http://schemas.openxmlformats.org/presentationml/2006/main">
   <p:cSld>
     <p:spTree>
@@ -19367,7 +19784,7 @@
 </p:sld>
 </file>
 
-<file path=ppt/slides/slide54.xml><?xml version="1.0" encoding="utf-8"?>
+<file path=ppt/slides/slide56.xml><?xml version="1.0" encoding="utf-8"?>
 <p:sld xmlns:a="http://schemas.openxmlformats.org/drawingml/2006/main" xmlns:r="http://schemas.openxmlformats.org/officeDocument/2006/relationships" xmlns:p="http://schemas.openxmlformats.org/presentationml/2006/main">
   <p:cSld>
     <p:spTree>
@@ -19506,7 +19923,7 @@
 </p:sld>
 </file>
 
-<file path=ppt/slides/slide55.xml><?xml version="1.0" encoding="utf-8"?>
+<file path=ppt/slides/slide57.xml><?xml version="1.0" encoding="utf-8"?>
 <p:sld xmlns:a="http://schemas.openxmlformats.org/drawingml/2006/main" xmlns:r="http://schemas.openxmlformats.org/officeDocument/2006/relationships" xmlns:p="http://schemas.openxmlformats.org/presentationml/2006/main">
   <p:cSld>
     <p:spTree>
@@ -19732,7 +20149,7 @@
 </p:sld>
 </file>
 
-<file path=ppt/slides/slide56.xml><?xml version="1.0" encoding="utf-8"?>
+<file path=ppt/slides/slide58.xml><?xml version="1.0" encoding="utf-8"?>
 <p:sld xmlns:a="http://schemas.openxmlformats.org/drawingml/2006/main" xmlns:r="http://schemas.openxmlformats.org/officeDocument/2006/relationships" xmlns:p="http://schemas.openxmlformats.org/presentationml/2006/main">
   <p:cSld>
     <p:spTree>

--- a/Lecture05_Matching/Lecture5_Matching_2022F.pptx
+++ b/Lecture05_Matching/Lecture5_Matching_2022F.pptx
@@ -5,7 +5,7 @@
     <p:sldMasterId id="2147483738" r:id="rId1"/>
   </p:sldMasterIdLst>
   <p:notesMasterIdLst>
-    <p:notesMasterId r:id="rId67"/>
+    <p:notesMasterId r:id="rId66"/>
   </p:notesMasterIdLst>
   <p:sldIdLst>
     <p:sldId id="256" r:id="rId2"/>
@@ -58,21 +58,20 @@
     <p:sldId id="487" r:id="rId49"/>
     <p:sldId id="486" r:id="rId50"/>
     <p:sldId id="455" r:id="rId51"/>
-    <p:sldId id="489" r:id="rId52"/>
-    <p:sldId id="426" r:id="rId53"/>
-    <p:sldId id="488" r:id="rId54"/>
-    <p:sldId id="456" r:id="rId55"/>
-    <p:sldId id="439" r:id="rId56"/>
-    <p:sldId id="441" r:id="rId57"/>
-    <p:sldId id="463" r:id="rId58"/>
-    <p:sldId id="464" r:id="rId59"/>
-    <p:sldId id="444" r:id="rId60"/>
-    <p:sldId id="479" r:id="rId61"/>
-    <p:sldId id="481" r:id="rId62"/>
-    <p:sldId id="478" r:id="rId63"/>
-    <p:sldId id="477" r:id="rId64"/>
-    <p:sldId id="445" r:id="rId65"/>
-    <p:sldId id="465" r:id="rId66"/>
+    <p:sldId id="426" r:id="rId52"/>
+    <p:sldId id="488" r:id="rId53"/>
+    <p:sldId id="456" r:id="rId54"/>
+    <p:sldId id="439" r:id="rId55"/>
+    <p:sldId id="441" r:id="rId56"/>
+    <p:sldId id="463" r:id="rId57"/>
+    <p:sldId id="464" r:id="rId58"/>
+    <p:sldId id="444" r:id="rId59"/>
+    <p:sldId id="479" r:id="rId60"/>
+    <p:sldId id="481" r:id="rId61"/>
+    <p:sldId id="478" r:id="rId62"/>
+    <p:sldId id="477" r:id="rId63"/>
+    <p:sldId id="445" r:id="rId64"/>
+    <p:sldId id="465" r:id="rId65"/>
   </p:sldIdLst>
   <p:sldSz cx="12192000" cy="6858000"/>
   <p:notesSz cx="7010400" cy="9296400"/>
@@ -475,7 +474,7 @@
           <a:p>
             <a:fld id="{EF911157-0FC2-4F06-8D61-FD647FE4E19D}" type="datetimeFigureOut">
               <a:rPr lang="en-US" smtClean="0"/>
-              <a:t>10/6/2022</a:t>
+              <a:t>10/7/2022</a:t>
             </a:fld>
             <a:endParaRPr lang="en-US"/>
           </a:p>
@@ -3876,8 +3875,8 @@
         </p:nvSpPr>
         <p:spPr/>
       </p:sp>
-      <mc:AlternateContent xmlns:mc="http://schemas.openxmlformats.org/markup-compatibility/2006">
-        <mc:Choice xmlns:a14="http://schemas.microsoft.com/office/drawing/2010/main" Requires="a14">
+      <mc:AlternateContent xmlns:mc="http://schemas.openxmlformats.org/markup-compatibility/2006" xmlns:a14="http://schemas.microsoft.com/office/drawing/2010/main">
+        <mc:Choice Requires="a14">
           <p:sp>
             <p:nvSpPr>
               <p:cNvPr id="3" name="Notes Placeholder 2"/>
@@ -4128,7 +4127,7 @@
             </p:txBody>
           </p:sp>
         </mc:Choice>
-        <mc:Fallback>
+        <mc:Fallback xmlns="">
           <p:sp>
             <p:nvSpPr>
               <p:cNvPr id="3" name="Notes Placeholder 2"/>
@@ -4434,7 +4433,7 @@
           <a:p>
             <a:r>
               <a:rPr lang="en-CA" dirty="0"/>
-              <a:t>Matching (and regression, and all design-based approaches) are approximating an RCT – what kind of RCT are you comfortable with? </a:t>
+              <a:t>Even though NN matching can be greedy (meaning low quality matches), PSM doesn’t work as well. A better approach is to weight your matches. Either pre-specify a kernel (lots of random functions like this) or …</a:t>
             </a:r>
           </a:p>
         </p:txBody>
@@ -4456,7 +4455,7 @@
           <a:p>
             <a:fld id="{4AF79E1B-2C51-4B9B-8EA4-26DE9E345AFF}" type="slidenum">
               <a:rPr lang="en-US" smtClean="0"/>
-              <a:t>51</a:t>
+              <a:t>52</a:t>
             </a:fld>
             <a:endParaRPr lang="en-US"/>
           </a:p>
@@ -4465,7 +4464,7 @@
     </p:spTree>
     <p:extLst>
       <p:ext uri="{BB962C8B-B14F-4D97-AF65-F5344CB8AC3E}">
-        <p14:creationId xmlns:p14="http://schemas.microsoft.com/office/powerpoint/2010/main" val="1177652106"/>
+        <p14:creationId xmlns:p14="http://schemas.microsoft.com/office/powerpoint/2010/main" val="2876663590"/>
       </p:ext>
     </p:extLst>
   </p:cSld>
@@ -4521,8 +4520,15 @@
           <a:p>
             <a:r>
               <a:rPr lang="en-CA" dirty="0"/>
-              <a:t>Even though NN matching can be greedy (meaning low quality matches), PSM doesn’t work as well. A better approach is to weight your matches. Either pre-specify a kernel (lots of random functions like this) or …</a:t>
-            </a:r>
+              <a:t>… use the propensity score! (note that this is *not* using the PSM for matching). You’re weighting by how “weird” treatment assignment is (more weird </a:t>
+            </a:r>
+            <a:r>
+              <a:rPr lang="en-CA" dirty="0">
+                <a:sym typeface="Wingdings" panose="05000000000000000000" pitchFamily="2" charset="2"/>
+              </a:rPr>
+              <a:t> more weight) Why? Cause that’s the interesting stuff! </a:t>
+            </a:r>
+            <a:endParaRPr lang="en-CA" dirty="0"/>
           </a:p>
         </p:txBody>
       </p:sp>
@@ -4552,7 +4558,7 @@
     </p:spTree>
     <p:extLst>
       <p:ext uri="{BB962C8B-B14F-4D97-AF65-F5344CB8AC3E}">
-        <p14:creationId xmlns:p14="http://schemas.microsoft.com/office/powerpoint/2010/main" val="2876663590"/>
+        <p14:creationId xmlns:p14="http://schemas.microsoft.com/office/powerpoint/2010/main" val="1957441158"/>
       </p:ext>
     </p:extLst>
   </p:cSld>
@@ -4608,15 +4614,16 @@
           <a:p>
             <a:r>
               <a:rPr lang="en-CA" dirty="0"/>
-              <a:t>… use the propensity score! (note that this is *not* using the PSM for matching). You’re weighting by how “weird” treatment assignment is (more weird </a:t>
-            </a:r>
-            <a:r>
-              <a:rPr lang="en-CA" dirty="0">
-                <a:sym typeface="Wingdings" panose="05000000000000000000" pitchFamily="2" charset="2"/>
-              </a:rPr>
-              <a:t> more weight) Why? Cause that’s the interesting stuff! </a:t>
-            </a:r>
-            <a:endParaRPr lang="en-CA" dirty="0"/>
+              <a:t>Fix </a:t>
+            </a:r>
+            <a:r>
+              <a:rPr lang="en-CA" dirty="0" err="1"/>
+              <a:t>Ses</a:t>
+            </a:r>
+            <a:r>
+              <a:rPr lang="en-CA" dirty="0"/>
+              <a:t> to deal with preprocessing data. Not totally sure where we stand on using PS as a control variable; generally okay but you shouldn’t have to if your randomization is good. See discussion above. </a:t>
+            </a:r>
           </a:p>
         </p:txBody>
       </p:sp>
@@ -4646,7 +4653,7 @@
     </p:spTree>
     <p:extLst>
       <p:ext uri="{BB962C8B-B14F-4D97-AF65-F5344CB8AC3E}">
-        <p14:creationId xmlns:p14="http://schemas.microsoft.com/office/powerpoint/2010/main" val="1957441158"/>
+        <p14:creationId xmlns:p14="http://schemas.microsoft.com/office/powerpoint/2010/main" val="1626749894"/>
       </p:ext>
     </p:extLst>
   </p:cSld>
@@ -4702,15 +4709,13 @@
           <a:p>
             <a:r>
               <a:rPr lang="en-CA" dirty="0"/>
-              <a:t>Fix </a:t>
-            </a:r>
-            <a:r>
-              <a:rPr lang="en-CA" dirty="0" err="1"/>
-              <a:t>Ses</a:t>
-            </a:r>
+              <a:t>If you can’t match on, say, ability, your matching might be making things worse. </a:t>
+            </a:r>
+          </a:p>
+          <a:p>
             <a:r>
               <a:rPr lang="en-CA" dirty="0"/>
-              <a:t> to deal with preprocessing data. Not totally sure where we stand on using PS as a control variable; generally okay but you shouldn’t have to if your randomization is good. See discussion above. </a:t>
+              <a:t>PSM had its heyday, now we have problems with it.</a:t>
             </a:r>
           </a:p>
         </p:txBody>
@@ -4732,7 +4737,7 @@
           <a:p>
             <a:fld id="{4AF79E1B-2C51-4B9B-8EA4-26DE9E345AFF}" type="slidenum">
               <a:rPr lang="en-US" smtClean="0"/>
-              <a:t>55</a:t>
+              <a:t>58</a:t>
             </a:fld>
             <a:endParaRPr lang="en-US"/>
           </a:p>
@@ -4741,7 +4746,7 @@
     </p:spTree>
     <p:extLst>
       <p:ext uri="{BB962C8B-B14F-4D97-AF65-F5344CB8AC3E}">
-        <p14:creationId xmlns:p14="http://schemas.microsoft.com/office/powerpoint/2010/main" val="1626749894"/>
+        <p14:creationId xmlns:p14="http://schemas.microsoft.com/office/powerpoint/2010/main" val="4184533869"/>
       </p:ext>
     </p:extLst>
   </p:cSld>
@@ -4795,16 +4800,30 @@
           <a:bodyPr/>
           <a:lstStyle/>
           <a:p>
-            <a:r>
-              <a:rPr lang="en-CA" dirty="0"/>
-              <a:t>If you can’t match on, say, ability, your matching might be making things worse. </a:t>
-            </a:r>
-          </a:p>
-          <a:p>
-            <a:r>
-              <a:rPr lang="en-CA" dirty="0"/>
-              <a:t>PSM had its heyday, now we have problems with it.</a:t>
-            </a:r>
+            <a:pPr marL="0" marR="0" lvl="0" indent="0" algn="l" defTabSz="914400" rtl="0" eaLnBrk="1" fontAlgn="auto" latinLnBrk="0" hangingPunct="1">
+              <a:lnSpc>
+                <a:spcPct val="100000"/>
+              </a:lnSpc>
+              <a:spcBef>
+                <a:spcPts val="0"/>
+              </a:spcBef>
+              <a:spcAft>
+                <a:spcPts val="0"/>
+              </a:spcAft>
+              <a:buClrTx/>
+              <a:buSzTx/>
+              <a:buFontTx/>
+              <a:buNone/>
+              <a:tabLst/>
+              <a:defRPr/>
+            </a:pPr>
+            <a:r>
+              <a:rPr lang="en-US" dirty="0"/>
+              <a:t>King Charles – added this before the coronation. </a:t>
+            </a:r>
+          </a:p>
+          <a:p>
+            <a:endParaRPr lang="en-US" dirty="0"/>
           </a:p>
         </p:txBody>
       </p:sp>
@@ -4834,7 +4853,7 @@
     </p:spTree>
     <p:extLst>
       <p:ext uri="{BB962C8B-B14F-4D97-AF65-F5344CB8AC3E}">
-        <p14:creationId xmlns:p14="http://schemas.microsoft.com/office/powerpoint/2010/main" val="4184533869"/>
+        <p14:creationId xmlns:p14="http://schemas.microsoft.com/office/powerpoint/2010/main" val="3303819982"/>
       </p:ext>
     </p:extLst>
   </p:cSld>
@@ -4888,29 +4907,6 @@
           <a:bodyPr/>
           <a:lstStyle/>
           <a:p>
-            <a:pPr marL="0" marR="0" lvl="0" indent="0" algn="l" defTabSz="914400" rtl="0" eaLnBrk="1" fontAlgn="auto" latinLnBrk="0" hangingPunct="1">
-              <a:lnSpc>
-                <a:spcPct val="100000"/>
-              </a:lnSpc>
-              <a:spcBef>
-                <a:spcPts val="0"/>
-              </a:spcBef>
-              <a:spcAft>
-                <a:spcPts val="0"/>
-              </a:spcAft>
-              <a:buClrTx/>
-              <a:buSzTx/>
-              <a:buFontTx/>
-              <a:buNone/>
-              <a:tabLst/>
-              <a:defRPr/>
-            </a:pPr>
-            <a:r>
-              <a:rPr lang="en-US" dirty="0"/>
-              <a:t>King Charles – added this before the coronation. </a:t>
-            </a:r>
-          </a:p>
-          <a:p>
             <a:endParaRPr lang="en-US" dirty="0"/>
           </a:p>
         </p:txBody>
@@ -4941,7 +4937,7 @@
     </p:spTree>
     <p:extLst>
       <p:ext uri="{BB962C8B-B14F-4D97-AF65-F5344CB8AC3E}">
-        <p14:creationId xmlns:p14="http://schemas.microsoft.com/office/powerpoint/2010/main" val="3303819982"/>
+        <p14:creationId xmlns:p14="http://schemas.microsoft.com/office/powerpoint/2010/main" val="3022047803"/>
       </p:ext>
     </p:extLst>
   </p:cSld>
@@ -4995,7 +4991,10 @@
           <a:bodyPr/>
           <a:lstStyle/>
           <a:p>
-            <a:endParaRPr lang="en-US" dirty="0"/>
+            <a:r>
+              <a:rPr lang="en-CA" dirty="0"/>
+              <a:t>Results of a MC simulation with different treatment effects (no omitted covariates) – note the performance of regression and IPW against PSM</a:t>
+            </a:r>
           </a:p>
         </p:txBody>
       </p:sp>
@@ -5025,7 +5024,7 @@
     </p:spTree>
     <p:extLst>
       <p:ext uri="{BB962C8B-B14F-4D97-AF65-F5344CB8AC3E}">
-        <p14:creationId xmlns:p14="http://schemas.microsoft.com/office/powerpoint/2010/main" val="3022047803"/>
+        <p14:creationId xmlns:p14="http://schemas.microsoft.com/office/powerpoint/2010/main" val="4214043986"/>
       </p:ext>
     </p:extLst>
   </p:cSld>
@@ -5173,7 +5172,7 @@
           <a:p>
             <a:r>
               <a:rPr lang="en-CA" dirty="0"/>
-              <a:t>Results of a MC simulation with different treatment effects (no omitted covariates) – note the performance of regression and IPW against PSM</a:t>
+              <a:t>If you leave out covariates, this gets worse (particularly for PSM – I trimmed out PSM with regression because there’s so much variation it’s impossible to see others)</a:t>
             </a:r>
           </a:p>
         </p:txBody>
@@ -5196,93 +5195,6 @@
             <a:fld id="{4AF79E1B-2C51-4B9B-8EA4-26DE9E345AFF}" type="slidenum">
               <a:rPr lang="en-US" smtClean="0"/>
               <a:t>62</a:t>
-            </a:fld>
-            <a:endParaRPr lang="en-US"/>
-          </a:p>
-        </p:txBody>
-      </p:sp>
-    </p:spTree>
-    <p:extLst>
-      <p:ext uri="{BB962C8B-B14F-4D97-AF65-F5344CB8AC3E}">
-        <p14:creationId xmlns:p14="http://schemas.microsoft.com/office/powerpoint/2010/main" val="4214043986"/>
-      </p:ext>
-    </p:extLst>
-  </p:cSld>
-  <p:clrMapOvr>
-    <a:masterClrMapping/>
-  </p:clrMapOvr>
-</p:notes>
-</file>
-
-<file path=ppt/notesSlides/notesSlide51.xml><?xml version="1.0" encoding="utf-8"?>
-<p:notes xmlns:a="http://schemas.openxmlformats.org/drawingml/2006/main" xmlns:r="http://schemas.openxmlformats.org/officeDocument/2006/relationships" xmlns:p="http://schemas.openxmlformats.org/presentationml/2006/main">
-  <p:cSld>
-    <p:spTree>
-      <p:nvGrpSpPr>
-        <p:cNvPr id="1" name=""/>
-        <p:cNvGrpSpPr/>
-        <p:nvPr/>
-      </p:nvGrpSpPr>
-      <p:grpSpPr>
-        <a:xfrm>
-          <a:off x="0" y="0"/>
-          <a:ext cx="0" cy="0"/>
-          <a:chOff x="0" y="0"/>
-          <a:chExt cx="0" cy="0"/>
-        </a:xfrm>
-      </p:grpSpPr>
-      <p:sp>
-        <p:nvSpPr>
-          <p:cNvPr id="2" name="Slide Image Placeholder 1"/>
-          <p:cNvSpPr>
-            <a:spLocks noGrp="1" noRot="1" noChangeAspect="1"/>
-          </p:cNvSpPr>
-          <p:nvPr>
-            <p:ph type="sldImg"/>
-          </p:nvPr>
-        </p:nvSpPr>
-        <p:spPr/>
-      </p:sp>
-      <p:sp>
-        <p:nvSpPr>
-          <p:cNvPr id="3" name="Notes Placeholder 2"/>
-          <p:cNvSpPr>
-            <a:spLocks noGrp="1"/>
-          </p:cNvSpPr>
-          <p:nvPr>
-            <p:ph type="body" idx="1"/>
-          </p:nvPr>
-        </p:nvSpPr>
-        <p:spPr/>
-        <p:txBody>
-          <a:bodyPr/>
-          <a:lstStyle/>
-          <a:p>
-            <a:r>
-              <a:rPr lang="en-CA" dirty="0"/>
-              <a:t>If you leave out covariates, this gets worse (particularly for PSM – I trimmed out PSM with regression because there’s so much variation it’s impossible to see others)</a:t>
-            </a:r>
-          </a:p>
-        </p:txBody>
-      </p:sp>
-      <p:sp>
-        <p:nvSpPr>
-          <p:cNvPr id="4" name="Slide Number Placeholder 3"/>
-          <p:cNvSpPr>
-            <a:spLocks noGrp="1"/>
-          </p:cNvSpPr>
-          <p:nvPr>
-            <p:ph type="sldNum" sz="quarter" idx="5"/>
-          </p:nvPr>
-        </p:nvSpPr>
-        <p:spPr/>
-        <p:txBody>
-          <a:bodyPr/>
-          <a:lstStyle/>
-          <a:p>
-            <a:fld id="{4AF79E1B-2C51-4B9B-8EA4-26DE9E345AFF}" type="slidenum">
-              <a:rPr lang="en-US" smtClean="0"/>
-              <a:t>63</a:t>
             </a:fld>
             <a:endParaRPr lang="en-US"/>
           </a:p>
@@ -5833,7 +5745,7 @@
             <a:fld id="{0972D05C-DCFB-4BB6-B49C-AC126BF3ED2C}" type="datetimeFigureOut">
               <a:rPr lang="en-US" smtClean="0"/>
               <a:pPr/>
-              <a:t>10/6/2022</a:t>
+              <a:t>10/7/2022</a:t>
             </a:fld>
             <a:endParaRPr lang="en-US"/>
           </a:p>
@@ -6063,7 +5975,7 @@
             <a:fld id="{0972D05C-DCFB-4BB6-B49C-AC126BF3ED2C}" type="datetimeFigureOut">
               <a:rPr lang="en-US" smtClean="0"/>
               <a:pPr/>
-              <a:t>10/6/2022</a:t>
+              <a:t>10/7/2022</a:t>
             </a:fld>
             <a:endParaRPr lang="en-US"/>
           </a:p>
@@ -6245,7 +6157,7 @@
             <a:fld id="{0972D05C-DCFB-4BB6-B49C-AC126BF3ED2C}" type="datetimeFigureOut">
               <a:rPr lang="en-US" smtClean="0"/>
               <a:pPr/>
-              <a:t>10/6/2022</a:t>
+              <a:t>10/7/2022</a:t>
             </a:fld>
             <a:endParaRPr lang="en-US"/>
           </a:p>
@@ -6417,7 +6329,7 @@
             <a:fld id="{0972D05C-DCFB-4BB6-B49C-AC126BF3ED2C}" type="datetimeFigureOut">
               <a:rPr lang="en-US" smtClean="0"/>
               <a:pPr/>
-              <a:t>10/6/2022</a:t>
+              <a:t>10/7/2022</a:t>
             </a:fld>
             <a:endParaRPr lang="en-US"/>
           </a:p>
@@ -6673,7 +6585,7 @@
             <a:fld id="{0972D05C-DCFB-4BB6-B49C-AC126BF3ED2C}" type="datetimeFigureOut">
               <a:rPr lang="en-US" smtClean="0"/>
               <a:pPr/>
-              <a:t>10/6/2022</a:t>
+              <a:t>10/7/2022</a:t>
             </a:fld>
             <a:endParaRPr lang="en-US"/>
           </a:p>
@@ -7001,7 +6913,7 @@
             <a:fld id="{0972D05C-DCFB-4BB6-B49C-AC126BF3ED2C}" type="datetimeFigureOut">
               <a:rPr lang="en-US" smtClean="0"/>
               <a:pPr/>
-              <a:t>10/6/2022</a:t>
+              <a:t>10/7/2022</a:t>
             </a:fld>
             <a:endParaRPr lang="en-US"/>
           </a:p>
@@ -7454,7 +7366,7 @@
             <a:fld id="{0972D05C-DCFB-4BB6-B49C-AC126BF3ED2C}" type="datetimeFigureOut">
               <a:rPr lang="en-US" smtClean="0"/>
               <a:pPr/>
-              <a:t>10/6/2022</a:t>
+              <a:t>10/7/2022</a:t>
             </a:fld>
             <a:endParaRPr lang="en-US"/>
           </a:p>
@@ -7574,7 +7486,7 @@
             <a:fld id="{0972D05C-DCFB-4BB6-B49C-AC126BF3ED2C}" type="datetimeFigureOut">
               <a:rPr lang="en-US" smtClean="0"/>
               <a:pPr/>
-              <a:t>10/6/2022</a:t>
+              <a:t>10/7/2022</a:t>
             </a:fld>
             <a:endParaRPr lang="en-US"/>
           </a:p>
@@ -7671,7 +7583,7 @@
             <a:fld id="{0972D05C-DCFB-4BB6-B49C-AC126BF3ED2C}" type="datetimeFigureOut">
               <a:rPr lang="en-US" smtClean="0"/>
               <a:pPr/>
-              <a:t>10/6/2022</a:t>
+              <a:t>10/7/2022</a:t>
             </a:fld>
             <a:endParaRPr lang="en-US"/>
           </a:p>
@@ -7960,7 +7872,7 @@
             <a:fld id="{0972D05C-DCFB-4BB6-B49C-AC126BF3ED2C}" type="datetimeFigureOut">
               <a:rPr lang="en-US" smtClean="0"/>
               <a:pPr/>
-              <a:t>10/6/2022</a:t>
+              <a:t>10/7/2022</a:t>
             </a:fld>
             <a:endParaRPr lang="en-US"/>
           </a:p>
@@ -8284,7 +8196,7 @@
             <a:fld id="{0972D05C-DCFB-4BB6-B49C-AC126BF3ED2C}" type="datetimeFigureOut">
               <a:rPr lang="en-US" smtClean="0"/>
               <a:pPr/>
-              <a:t>10/6/2022</a:t>
+              <a:t>10/7/2022</a:t>
             </a:fld>
             <a:endParaRPr lang="en-US"/>
           </a:p>
@@ -8539,7 +8451,7 @@
             <a:fld id="{0972D05C-DCFB-4BB6-B49C-AC126BF3ED2C}" type="datetimeFigureOut">
               <a:rPr lang="en-US" smtClean="0"/>
               <a:pPr/>
-              <a:t>10/6/2022</a:t>
+              <a:t>10/7/2022</a:t>
             </a:fld>
             <a:endParaRPr lang="en-US" dirty="0"/>
           </a:p>
@@ -11347,8 +11259,8 @@
           </a:p>
         </p:txBody>
       </p:sp>
-      <mc:AlternateContent xmlns:mc="http://schemas.openxmlformats.org/markup-compatibility/2006">
-        <mc:Choice xmlns:a14="http://schemas.microsoft.com/office/drawing/2010/main" Requires="a14">
+      <mc:AlternateContent xmlns:mc="http://schemas.openxmlformats.org/markup-compatibility/2006" xmlns:a14="http://schemas.microsoft.com/office/drawing/2010/main">
+        <mc:Choice Requires="a14">
           <p:sp>
             <p:nvSpPr>
               <p:cNvPr id="5" name="TextBox 4">
@@ -11679,7 +11591,7 @@
             </p:txBody>
           </p:sp>
         </mc:Choice>
-        <mc:Fallback>
+        <mc:Fallback xmlns="">
           <p:sp>
             <p:nvSpPr>
               <p:cNvPr id="5" name="TextBox 4">
@@ -13448,8 +13360,8 @@
           </a:p>
         </p:txBody>
       </p:sp>
-      <mc:AlternateContent xmlns:mc="http://schemas.openxmlformats.org/markup-compatibility/2006">
-        <mc:Choice xmlns:a14="http://schemas.microsoft.com/office/drawing/2010/main" Requires="a14">
+      <mc:AlternateContent xmlns:mc="http://schemas.openxmlformats.org/markup-compatibility/2006" xmlns:a14="http://schemas.microsoft.com/office/drawing/2010/main">
+        <mc:Choice Requires="a14">
           <p:sp>
             <p:nvSpPr>
               <p:cNvPr id="3" name="Content Placeholder 2"/>
@@ -13681,7 +13593,7 @@
             </p:txBody>
           </p:sp>
         </mc:Choice>
-        <mc:Fallback>
+        <mc:Fallback xmlns="">
           <p:sp>
             <p:nvSpPr>
               <p:cNvPr id="3" name="Content Placeholder 2"/>
@@ -14272,8 +14184,8 @@
           </a:p>
         </p:txBody>
       </p:sp>
-      <mc:AlternateContent xmlns:mc="http://schemas.openxmlformats.org/markup-compatibility/2006">
-        <mc:Choice xmlns:a14="http://schemas.microsoft.com/office/drawing/2010/main" Requires="a14">
+      <mc:AlternateContent xmlns:mc="http://schemas.openxmlformats.org/markup-compatibility/2006" xmlns:a14="http://schemas.microsoft.com/office/drawing/2010/main">
+        <mc:Choice Requires="a14">
           <p:sp>
             <p:nvSpPr>
               <p:cNvPr id="3" name="Content Placeholder 2"/>
@@ -14719,7 +14631,7 @@
             </p:txBody>
           </p:sp>
         </mc:Choice>
-        <mc:Fallback>
+        <mc:Fallback xmlns="">
           <p:sp>
             <p:nvSpPr>
               <p:cNvPr id="3" name="Content Placeholder 2"/>
@@ -14822,8 +14734,8 @@
           </a:p>
         </p:txBody>
       </p:sp>
-      <mc:AlternateContent xmlns:mc="http://schemas.openxmlformats.org/markup-compatibility/2006">
-        <mc:Choice xmlns:a14="http://schemas.microsoft.com/office/drawing/2010/main" Requires="a14">
+      <mc:AlternateContent xmlns:mc="http://schemas.openxmlformats.org/markup-compatibility/2006" xmlns:a14="http://schemas.microsoft.com/office/drawing/2010/main">
+        <mc:Choice Requires="a14">
           <p:sp>
             <p:nvSpPr>
               <p:cNvPr id="3" name="Content Placeholder 2"/>
@@ -15343,7 +15255,7 @@
             </p:txBody>
           </p:sp>
         </mc:Choice>
-        <mc:Fallback>
+        <mc:Fallback xmlns="">
           <p:sp>
             <p:nvSpPr>
               <p:cNvPr id="3" name="Content Placeholder 2"/>
@@ -15849,8 +15761,8 @@
           </a:p>
         </p:txBody>
       </p:sp>
-      <mc:AlternateContent xmlns:mc="http://schemas.openxmlformats.org/markup-compatibility/2006">
-        <mc:Choice xmlns:a14="http://schemas.microsoft.com/office/drawing/2010/main" Requires="a14">
+      <mc:AlternateContent xmlns:mc="http://schemas.openxmlformats.org/markup-compatibility/2006" xmlns:a14="http://schemas.microsoft.com/office/drawing/2010/main">
+        <mc:Choice Requires="a14">
           <p:sp>
             <p:nvSpPr>
               <p:cNvPr id="3" name="Content Placeholder 2"/>
@@ -16397,7 +16309,7 @@
             </p:txBody>
           </p:sp>
         </mc:Choice>
-        <mc:Fallback>
+        <mc:Fallback xmlns="">
           <p:sp>
             <p:nvSpPr>
               <p:cNvPr id="3" name="Content Placeholder 2"/>
@@ -16500,8 +16412,8 @@
           </a:p>
         </p:txBody>
       </p:sp>
-      <mc:AlternateContent xmlns:mc="http://schemas.openxmlformats.org/markup-compatibility/2006">
-        <mc:Choice xmlns:a14="http://schemas.microsoft.com/office/drawing/2010/main" Requires="a14">
+      <mc:AlternateContent xmlns:mc="http://schemas.openxmlformats.org/markup-compatibility/2006" xmlns:a14="http://schemas.microsoft.com/office/drawing/2010/main">
+        <mc:Choice Requires="a14">
           <p:sp>
             <p:nvSpPr>
               <p:cNvPr id="3" name="Content Placeholder 2"/>
@@ -17088,7 +17000,7 @@
             </p:txBody>
           </p:sp>
         </mc:Choice>
-        <mc:Fallback>
+        <mc:Fallback xmlns="">
           <p:sp>
             <p:nvSpPr>
               <p:cNvPr id="3" name="Content Placeholder 2"/>
@@ -18327,8 +18239,8 @@
           </a:p>
         </p:txBody>
       </p:sp>
-      <mc:AlternateContent xmlns:mc="http://schemas.openxmlformats.org/markup-compatibility/2006">
-        <mc:Choice xmlns:a14="http://schemas.microsoft.com/office/drawing/2010/main" Requires="a14">
+      <mc:AlternateContent xmlns:mc="http://schemas.openxmlformats.org/markup-compatibility/2006" xmlns:a14="http://schemas.microsoft.com/office/drawing/2010/main">
+        <mc:Choice Requires="a14">
           <p:sp>
             <p:nvSpPr>
               <p:cNvPr id="3" name="Content Placeholder 2"/>
@@ -18498,7 +18410,7 @@
             </p:txBody>
           </p:sp>
         </mc:Choice>
-        <mc:Fallback>
+        <mc:Fallback xmlns="">
           <p:sp>
             <p:nvSpPr>
               <p:cNvPr id="3" name="Content Placeholder 2"/>
@@ -18648,8 +18560,8 @@
           </a:p>
         </p:txBody>
       </p:sp>
-      <mc:AlternateContent xmlns:mc="http://schemas.openxmlformats.org/markup-compatibility/2006">
-        <mc:Choice xmlns:a14="http://schemas.microsoft.com/office/drawing/2010/main" Requires="a14">
+      <mc:AlternateContent xmlns:mc="http://schemas.openxmlformats.org/markup-compatibility/2006" xmlns:a14="http://schemas.microsoft.com/office/drawing/2010/main">
+        <mc:Choice Requires="a14">
           <p:sp>
             <p:nvSpPr>
               <p:cNvPr id="3" name="Content Placeholder 2"/>
@@ -18774,7 +18686,7 @@
             </p:txBody>
           </p:sp>
         </mc:Choice>
-        <mc:Fallback>
+        <mc:Fallback xmlns="">
           <p:sp>
             <p:nvSpPr>
               <p:cNvPr id="3" name="Content Placeholder 2"/>
@@ -18924,8 +18836,8 @@
           </a:p>
         </p:txBody>
       </p:sp>
-      <mc:AlternateContent xmlns:mc="http://schemas.openxmlformats.org/markup-compatibility/2006">
-        <mc:Choice xmlns:a14="http://schemas.microsoft.com/office/drawing/2010/main" Requires="a14">
+      <mc:AlternateContent xmlns:mc="http://schemas.openxmlformats.org/markup-compatibility/2006" xmlns:a14="http://schemas.microsoft.com/office/drawing/2010/main">
+        <mc:Choice Requires="a14">
           <p:sp>
             <p:nvSpPr>
               <p:cNvPr id="3" name="Content Placeholder 2"/>
@@ -19181,7 +19093,7 @@
             </p:txBody>
           </p:sp>
         </mc:Choice>
-        <mc:Fallback>
+        <mc:Fallback xmlns="">
           <p:sp>
             <p:nvSpPr>
               <p:cNvPr id="3" name="Content Placeholder 2"/>
@@ -19382,8 +19294,8 @@
           </a:p>
         </p:txBody>
       </p:sp>
-      <mc:AlternateContent xmlns:mc="http://schemas.openxmlformats.org/markup-compatibility/2006">
-        <mc:Choice xmlns:a14="http://schemas.microsoft.com/office/drawing/2010/main" Requires="a14">
+      <mc:AlternateContent xmlns:mc="http://schemas.openxmlformats.org/markup-compatibility/2006" xmlns:a14="http://schemas.microsoft.com/office/drawing/2010/main">
+        <mc:Choice Requires="a14">
           <p:sp>
             <p:nvSpPr>
               <p:cNvPr id="3" name="Content Placeholder 2"/>
@@ -19779,7 +19691,7 @@
             </p:txBody>
           </p:sp>
         </mc:Choice>
-        <mc:Fallback>
+        <mc:Fallback xmlns="">
           <p:sp>
             <p:nvSpPr>
               <p:cNvPr id="3" name="Content Placeholder 2"/>
@@ -21585,126 +21497,6 @@
       </p:grpSpPr>
       <p:sp>
         <p:nvSpPr>
-          <p:cNvPr id="2" name="Title 1"/>
-          <p:cNvSpPr>
-            <a:spLocks noGrp="1"/>
-          </p:cNvSpPr>
-          <p:nvPr>
-            <p:ph type="title"/>
-          </p:nvPr>
-        </p:nvSpPr>
-        <p:spPr>
-          <a:xfrm>
-            <a:off x="609600" y="228600"/>
-            <a:ext cx="10439400" cy="624840"/>
-          </a:xfrm>
-        </p:spPr>
-        <p:txBody>
-          <a:bodyPr>
-            <a:noAutofit/>
-          </a:bodyPr>
-          <a:lstStyle/>
-          <a:p>
-            <a:r>
-              <a:rPr lang="en-US" sz="3600" dirty="0">
-                <a:cs typeface="Times New Roman" panose="02020603050405020304" pitchFamily="18" charset="0"/>
-              </a:rPr>
-              <a:t>Alternative: Weighting Matched Observations</a:t>
-            </a:r>
-            <a:endParaRPr lang="en-US" sz="3600" dirty="0">
-              <a:latin typeface="Times New Roman" panose="02020603050405020304" pitchFamily="18" charset="0"/>
-              <a:cs typeface="Times New Roman" panose="02020603050405020304" pitchFamily="18" charset="0"/>
-            </a:endParaRPr>
-          </a:p>
-        </p:txBody>
-      </p:sp>
-      <p:sp>
-        <p:nvSpPr>
-          <p:cNvPr id="6" name="Content Placeholder 5">
-            <a:extLst>
-              <a:ext uri="{FF2B5EF4-FFF2-40B4-BE49-F238E27FC236}">
-                <a16:creationId xmlns:a16="http://schemas.microsoft.com/office/drawing/2014/main" id="{F95963F9-9E4B-B806-034E-56EE98F553BE}"/>
-              </a:ext>
-            </a:extLst>
-          </p:cNvPr>
-          <p:cNvSpPr>
-            <a:spLocks noGrp="1"/>
-          </p:cNvSpPr>
-          <p:nvPr>
-            <p:ph idx="1"/>
-          </p:nvPr>
-        </p:nvSpPr>
-        <p:spPr/>
-        <p:txBody>
-          <a:bodyPr/>
-          <a:lstStyle/>
-          <a:p>
-            <a:endParaRPr lang="en-US" dirty="0"/>
-          </a:p>
-        </p:txBody>
-      </p:sp>
-      <p:pic>
-        <p:nvPicPr>
-          <p:cNvPr id="9" name="Picture 8">
-            <a:extLst>
-              <a:ext uri="{FF2B5EF4-FFF2-40B4-BE49-F238E27FC236}">
-                <a16:creationId xmlns:a16="http://schemas.microsoft.com/office/drawing/2014/main" id="{9694AFB0-6EA1-6E0E-683F-B0D927BF0155}"/>
-              </a:ext>
-            </a:extLst>
-          </p:cNvPr>
-          <p:cNvPicPr>
-            <a:picLocks noChangeAspect="1"/>
-          </p:cNvPicPr>
-          <p:nvPr/>
-        </p:nvPicPr>
-        <p:blipFill>
-          <a:blip r:embed="rId3"/>
-          <a:stretch>
-            <a:fillRect/>
-          </a:stretch>
-        </p:blipFill>
-        <p:spPr>
-          <a:xfrm>
-            <a:off x="942920" y="979264"/>
-            <a:ext cx="9840087" cy="5421536"/>
-          </a:xfrm>
-          <a:prstGeom prst="rect">
-            <a:avLst/>
-          </a:prstGeom>
-        </p:spPr>
-      </p:pic>
-    </p:spTree>
-    <p:extLst>
-      <p:ext uri="{BB962C8B-B14F-4D97-AF65-F5344CB8AC3E}">
-        <p14:creationId xmlns:p14="http://schemas.microsoft.com/office/powerpoint/2010/main" val="1009510839"/>
-      </p:ext>
-    </p:extLst>
-  </p:cSld>
-  <p:clrMapOvr>
-    <a:masterClrMapping/>
-  </p:clrMapOvr>
-</p:sld>
-</file>
-
-<file path=ppt/slides/slide52.xml><?xml version="1.0" encoding="utf-8"?>
-<p:sld xmlns:a="http://schemas.openxmlformats.org/drawingml/2006/main" xmlns:r="http://schemas.openxmlformats.org/officeDocument/2006/relationships" xmlns:p="http://schemas.openxmlformats.org/presentationml/2006/main">
-  <p:cSld>
-    <p:spTree>
-      <p:nvGrpSpPr>
-        <p:cNvPr id="1" name=""/>
-        <p:cNvGrpSpPr/>
-        <p:nvPr/>
-      </p:nvGrpSpPr>
-      <p:grpSpPr>
-        <a:xfrm>
-          <a:off x="0" y="0"/>
-          <a:ext cx="0" cy="0"/>
-          <a:chOff x="0" y="0"/>
-          <a:chExt cx="0" cy="0"/>
-        </a:xfrm>
-      </p:grpSpPr>
-      <p:sp>
-        <p:nvSpPr>
           <p:cNvPr id="2" name="Title 1">
             <a:extLst>
               <a:ext uri="{FF2B5EF4-FFF2-40B4-BE49-F238E27FC236}">
@@ -21774,7 +21566,7 @@
 </p:sld>
 </file>
 
-<file path=ppt/slides/slide53.xml><?xml version="1.0" encoding="utf-8"?>
+<file path=ppt/slides/slide52.xml><?xml version="1.0" encoding="utf-8"?>
 <p:sld xmlns:a="http://schemas.openxmlformats.org/drawingml/2006/main" xmlns:r="http://schemas.openxmlformats.org/officeDocument/2006/relationships" xmlns:p="http://schemas.openxmlformats.org/presentationml/2006/main">
   <p:cSld>
     <p:spTree>
@@ -22170,7 +21962,7 @@
 </p:sld>
 </file>
 
-<file path=ppt/slides/slide54.xml><?xml version="1.0" encoding="utf-8"?>
+<file path=ppt/slides/slide53.xml><?xml version="1.0" encoding="utf-8"?>
 <p:sld xmlns:a="http://schemas.openxmlformats.org/drawingml/2006/main" xmlns:r="http://schemas.openxmlformats.org/officeDocument/2006/relationships" xmlns:p="http://schemas.openxmlformats.org/presentationml/2006/main">
   <p:cSld>
     <p:spTree>
@@ -22511,7 +22303,7 @@
 </p:sld>
 </file>
 
-<file path=ppt/slides/slide55.xml><?xml version="1.0" encoding="utf-8"?>
+<file path=ppt/slides/slide54.xml><?xml version="1.0" encoding="utf-8"?>
 <p:sld xmlns:a="http://schemas.openxmlformats.org/drawingml/2006/main" xmlns:r="http://schemas.openxmlformats.org/officeDocument/2006/relationships" xmlns:p="http://schemas.openxmlformats.org/presentationml/2006/main">
   <p:cSld>
     <p:spTree>
@@ -22747,7 +22539,7 @@
 </p:sld>
 </file>
 
-<file path=ppt/slides/slide56.xml><?xml version="1.0" encoding="utf-8"?>
+<file path=ppt/slides/slide55.xml><?xml version="1.0" encoding="utf-8"?>
 <p:sld xmlns:a="http://schemas.openxmlformats.org/drawingml/2006/main" xmlns:r="http://schemas.openxmlformats.org/officeDocument/2006/relationships" xmlns:p="http://schemas.openxmlformats.org/presentationml/2006/main">
   <p:cSld>
     <p:spTree>
@@ -22950,7 +22742,7 @@
 </p:sld>
 </file>
 
-<file path=ppt/slides/slide57.xml><?xml version="1.0" encoding="utf-8"?>
+<file path=ppt/slides/slide56.xml><?xml version="1.0" encoding="utf-8"?>
 <p:sld xmlns:a="http://schemas.openxmlformats.org/drawingml/2006/main" xmlns:r="http://schemas.openxmlformats.org/officeDocument/2006/relationships" xmlns:p="http://schemas.openxmlformats.org/presentationml/2006/main">
   <p:cSld>
     <p:spTree>
@@ -23133,7 +22925,7 @@
 </p:sld>
 </file>
 
-<file path=ppt/slides/slide58.xml><?xml version="1.0" encoding="utf-8"?>
+<file path=ppt/slides/slide57.xml><?xml version="1.0" encoding="utf-8"?>
 <p:sld xmlns:a="http://schemas.openxmlformats.org/drawingml/2006/main" xmlns:r="http://schemas.openxmlformats.org/officeDocument/2006/relationships" xmlns:p="http://schemas.openxmlformats.org/presentationml/2006/main">
   <p:cSld>
     <p:spTree>
@@ -23454,7 +23246,7 @@
 </p:sld>
 </file>
 
-<file path=ppt/slides/slide59.xml><?xml version="1.0" encoding="utf-8"?>
+<file path=ppt/slides/slide58.xml><?xml version="1.0" encoding="utf-8"?>
 <p:sld xmlns:a="http://schemas.openxmlformats.org/drawingml/2006/main" xmlns:r="http://schemas.openxmlformats.org/officeDocument/2006/relationships" xmlns:p="http://schemas.openxmlformats.org/presentationml/2006/main">
   <p:cSld>
     <p:spTree>
@@ -23844,6 +23636,218 @@
     <p:extLst>
       <p:ext uri="{BB962C8B-B14F-4D97-AF65-F5344CB8AC3E}">
         <p14:creationId xmlns:p14="http://schemas.microsoft.com/office/powerpoint/2010/main" val="4176860502"/>
+      </p:ext>
+    </p:extLst>
+  </p:cSld>
+  <p:clrMapOvr>
+    <a:masterClrMapping/>
+  </p:clrMapOvr>
+</p:sld>
+</file>
+
+<file path=ppt/slides/slide59.xml><?xml version="1.0" encoding="utf-8"?>
+<p:sld xmlns:a="http://schemas.openxmlformats.org/drawingml/2006/main" xmlns:r="http://schemas.openxmlformats.org/officeDocument/2006/relationships" xmlns:p="http://schemas.openxmlformats.org/presentationml/2006/main">
+  <p:cSld>
+    <p:bg>
+      <p:bgPr>
+        <a:solidFill>
+          <a:schemeClr val="bg1"/>
+        </a:solidFill>
+        <a:effectLst/>
+      </p:bgPr>
+    </p:bg>
+    <p:spTree>
+      <p:nvGrpSpPr>
+        <p:cNvPr id="1" name=""/>
+        <p:cNvGrpSpPr/>
+        <p:nvPr/>
+      </p:nvGrpSpPr>
+      <p:grpSpPr>
+        <a:xfrm>
+          <a:off x="0" y="0"/>
+          <a:ext cx="0" cy="0"/>
+          <a:chOff x="0" y="0"/>
+          <a:chExt cx="0" cy="0"/>
+        </a:xfrm>
+      </p:grpSpPr>
+      <p:sp>
+        <p:nvSpPr>
+          <p:cNvPr id="2" name="Title 1">
+            <a:extLst>
+              <a:ext uri="{FF2B5EF4-FFF2-40B4-BE49-F238E27FC236}">
+                <a16:creationId xmlns:a16="http://schemas.microsoft.com/office/drawing/2014/main" id="{B7AB22A0-E94A-E437-893B-B1CACC019A21}"/>
+              </a:ext>
+            </a:extLst>
+          </p:cNvPr>
+          <p:cNvSpPr>
+            <a:spLocks noGrp="1"/>
+          </p:cNvSpPr>
+          <p:nvPr>
+            <p:ph type="title"/>
+          </p:nvPr>
+        </p:nvSpPr>
+        <p:spPr>
+          <a:xfrm>
+            <a:off x="1237489" y="640080"/>
+            <a:ext cx="2801111" cy="1325562"/>
+          </a:xfrm>
+        </p:spPr>
+        <p:txBody>
+          <a:bodyPr>
+            <a:normAutofit/>
+          </a:bodyPr>
+          <a:lstStyle/>
+          <a:p>
+            <a:r>
+              <a:rPr lang="en-US" sz="3200" b="1" dirty="0">
+                <a:solidFill>
+                  <a:schemeClr val="accent2">
+                    <a:lumMod val="75000"/>
+                  </a:schemeClr>
+                </a:solidFill>
+              </a:rPr>
+              <a:t>Problems of </a:t>
+            </a:r>
+            <a:r>
+              <a:rPr lang="en-US" sz="3200" b="1" dirty="0" err="1">
+                <a:solidFill>
+                  <a:schemeClr val="accent2">
+                    <a:lumMod val="75000"/>
+                  </a:schemeClr>
+                </a:solidFill>
+              </a:rPr>
+              <a:t>Unobservables</a:t>
+            </a:r>
+            <a:endParaRPr lang="en-US" sz="3200" b="1" dirty="0">
+              <a:solidFill>
+                <a:schemeClr val="accent2">
+                  <a:lumMod val="75000"/>
+                </a:schemeClr>
+              </a:solidFill>
+            </a:endParaRPr>
+          </a:p>
+        </p:txBody>
+      </p:sp>
+      <p:sp>
+        <p:nvSpPr>
+          <p:cNvPr id="10" name="Rectangle 9">
+            <a:extLst>
+              <a:ext uri="{FF2B5EF4-FFF2-40B4-BE49-F238E27FC236}">
+                <a16:creationId xmlns:a16="http://schemas.microsoft.com/office/drawing/2014/main" id="{0B67D982-25C5-4CC2-AA64-276BE3B2CA75}"/>
+              </a:ext>
+              <a:ext uri="{C183D7F6-B498-43B3-948B-1728B52AA6E4}">
+                <adec:decorative xmlns:adec="http://schemas.microsoft.com/office/drawing/2017/decorative" val="1"/>
+              </a:ext>
+            </a:extLst>
+          </p:cNvPr>
+          <p:cNvSpPr>
+            <a:spLocks noGrp="1" noRot="1" noChangeAspect="1" noMove="1" noResize="1" noEditPoints="1" noAdjustHandles="1" noChangeArrowheads="1" noChangeShapeType="1" noTextEdit="1"/>
+          </p:cNvSpPr>
+          <p:nvPr>
+            <p:extLst>
+              <p:ext uri="{386F3935-93C4-4BCD-93E2-E3B085C9AB24}">
+                <p16:designElem xmlns:p16="http://schemas.microsoft.com/office/powerpoint/2015/main" val="1"/>
+              </p:ext>
+            </p:extLst>
+          </p:nvPr>
+        </p:nvSpPr>
+        <p:spPr>
+          <a:xfrm>
+            <a:off x="0" y="0"/>
+            <a:ext cx="914400" cy="6858000"/>
+          </a:xfrm>
+          <a:prstGeom prst="rect">
+            <a:avLst/>
+          </a:prstGeom>
+          <a:solidFill>
+            <a:schemeClr val="accent1"/>
+          </a:solidFill>
+          <a:ln>
+            <a:noFill/>
+          </a:ln>
+        </p:spPr>
+        <p:style>
+          <a:lnRef idx="2">
+            <a:schemeClr val="accent1">
+              <a:shade val="50000"/>
+            </a:schemeClr>
+          </a:lnRef>
+          <a:fillRef idx="1">
+            <a:schemeClr val="accent1"/>
+          </a:fillRef>
+          <a:effectRef idx="0">
+            <a:schemeClr val="accent1"/>
+          </a:effectRef>
+          <a:fontRef idx="minor">
+            <a:schemeClr val="lt1"/>
+          </a:fontRef>
+        </p:style>
+      </p:sp>
+      <p:sp>
+        <p:nvSpPr>
+          <p:cNvPr id="3" name="Content Placeholder 2">
+            <a:extLst>
+              <a:ext uri="{FF2B5EF4-FFF2-40B4-BE49-F238E27FC236}">
+                <a16:creationId xmlns:a16="http://schemas.microsoft.com/office/drawing/2014/main" id="{6D5493FA-2DCA-05FA-B64D-9266E284351A}"/>
+              </a:ext>
+            </a:extLst>
+          </p:cNvPr>
+          <p:cNvSpPr>
+            <a:spLocks noGrp="1"/>
+          </p:cNvSpPr>
+          <p:nvPr>
+            <p:ph idx="1"/>
+          </p:nvPr>
+        </p:nvSpPr>
+        <p:spPr>
+          <a:xfrm>
+            <a:off x="1237489" y="2301555"/>
+            <a:ext cx="3075836" cy="3878582"/>
+          </a:xfrm>
+        </p:spPr>
+        <p:txBody>
+          <a:bodyPr>
+            <a:normAutofit/>
+          </a:bodyPr>
+          <a:lstStyle/>
+          <a:p>
+            <a:endParaRPr lang="en-US" sz="1600"/>
+          </a:p>
+        </p:txBody>
+      </p:sp>
+      <p:pic>
+        <p:nvPicPr>
+          <p:cNvPr id="5" name="Picture 4">
+            <a:extLst>
+              <a:ext uri="{FF2B5EF4-FFF2-40B4-BE49-F238E27FC236}">
+                <a16:creationId xmlns:a16="http://schemas.microsoft.com/office/drawing/2014/main" id="{57BA9F98-D64B-9189-E099-A0FE08A6967D}"/>
+              </a:ext>
+            </a:extLst>
+          </p:cNvPr>
+          <p:cNvPicPr>
+            <a:picLocks noChangeAspect="1"/>
+          </p:cNvPicPr>
+          <p:nvPr/>
+        </p:nvPicPr>
+        <p:blipFill rotWithShape="1">
+          <a:blip r:embed="rId3"/>
+          <a:srcRect t="329" r="-2" b="49805"/>
+          <a:stretch/>
+        </p:blipFill>
+        <p:spPr>
+          <a:xfrm>
+            <a:off x="5105399" y="-5536"/>
+            <a:ext cx="7086601" cy="3739336"/>
+          </a:xfrm>
+          <a:prstGeom prst="rect">
+            <a:avLst/>
+          </a:prstGeom>
+        </p:spPr>
+      </p:pic>
+    </p:spTree>
+    <p:extLst>
+      <p:ext uri="{BB962C8B-B14F-4D97-AF65-F5344CB8AC3E}">
+        <p14:creationId xmlns:p14="http://schemas.microsoft.com/office/powerpoint/2010/main" val="1504780692"/>
       </p:ext>
     </p:extLst>
   </p:cSld>
@@ -24426,218 +24430,6 @@
         </p:nvPicPr>
         <p:blipFill rotWithShape="1">
           <a:blip r:embed="rId3"/>
-          <a:srcRect t="329" r="-2" b="49805"/>
-          <a:stretch/>
-        </p:blipFill>
-        <p:spPr>
-          <a:xfrm>
-            <a:off x="5105399" y="-5536"/>
-            <a:ext cx="7086601" cy="3739336"/>
-          </a:xfrm>
-          <a:prstGeom prst="rect">
-            <a:avLst/>
-          </a:prstGeom>
-        </p:spPr>
-      </p:pic>
-    </p:spTree>
-    <p:extLst>
-      <p:ext uri="{BB962C8B-B14F-4D97-AF65-F5344CB8AC3E}">
-        <p14:creationId xmlns:p14="http://schemas.microsoft.com/office/powerpoint/2010/main" val="1504780692"/>
-      </p:ext>
-    </p:extLst>
-  </p:cSld>
-  <p:clrMapOvr>
-    <a:masterClrMapping/>
-  </p:clrMapOvr>
-</p:sld>
-</file>
-
-<file path=ppt/slides/slide61.xml><?xml version="1.0" encoding="utf-8"?>
-<p:sld xmlns:a="http://schemas.openxmlformats.org/drawingml/2006/main" xmlns:r="http://schemas.openxmlformats.org/officeDocument/2006/relationships" xmlns:p="http://schemas.openxmlformats.org/presentationml/2006/main">
-  <p:cSld>
-    <p:bg>
-      <p:bgPr>
-        <a:solidFill>
-          <a:schemeClr val="bg1"/>
-        </a:solidFill>
-        <a:effectLst/>
-      </p:bgPr>
-    </p:bg>
-    <p:spTree>
-      <p:nvGrpSpPr>
-        <p:cNvPr id="1" name=""/>
-        <p:cNvGrpSpPr/>
-        <p:nvPr/>
-      </p:nvGrpSpPr>
-      <p:grpSpPr>
-        <a:xfrm>
-          <a:off x="0" y="0"/>
-          <a:ext cx="0" cy="0"/>
-          <a:chOff x="0" y="0"/>
-          <a:chExt cx="0" cy="0"/>
-        </a:xfrm>
-      </p:grpSpPr>
-      <p:sp>
-        <p:nvSpPr>
-          <p:cNvPr id="2" name="Title 1">
-            <a:extLst>
-              <a:ext uri="{FF2B5EF4-FFF2-40B4-BE49-F238E27FC236}">
-                <a16:creationId xmlns:a16="http://schemas.microsoft.com/office/drawing/2014/main" id="{B7AB22A0-E94A-E437-893B-B1CACC019A21}"/>
-              </a:ext>
-            </a:extLst>
-          </p:cNvPr>
-          <p:cNvSpPr>
-            <a:spLocks noGrp="1"/>
-          </p:cNvSpPr>
-          <p:nvPr>
-            <p:ph type="title"/>
-          </p:nvPr>
-        </p:nvSpPr>
-        <p:spPr>
-          <a:xfrm>
-            <a:off x="1237489" y="640080"/>
-            <a:ext cx="2801111" cy="1325562"/>
-          </a:xfrm>
-        </p:spPr>
-        <p:txBody>
-          <a:bodyPr>
-            <a:normAutofit/>
-          </a:bodyPr>
-          <a:lstStyle/>
-          <a:p>
-            <a:r>
-              <a:rPr lang="en-US" sz="3200" b="1" dirty="0">
-                <a:solidFill>
-                  <a:schemeClr val="accent2">
-                    <a:lumMod val="75000"/>
-                  </a:schemeClr>
-                </a:solidFill>
-              </a:rPr>
-              <a:t>Problems of </a:t>
-            </a:r>
-            <a:r>
-              <a:rPr lang="en-US" sz="3200" b="1" dirty="0" err="1">
-                <a:solidFill>
-                  <a:schemeClr val="accent2">
-                    <a:lumMod val="75000"/>
-                  </a:schemeClr>
-                </a:solidFill>
-              </a:rPr>
-              <a:t>Unobservables</a:t>
-            </a:r>
-            <a:endParaRPr lang="en-US" sz="3200" b="1" dirty="0">
-              <a:solidFill>
-                <a:schemeClr val="accent2">
-                  <a:lumMod val="75000"/>
-                </a:schemeClr>
-              </a:solidFill>
-            </a:endParaRPr>
-          </a:p>
-        </p:txBody>
-      </p:sp>
-      <p:sp>
-        <p:nvSpPr>
-          <p:cNvPr id="10" name="Rectangle 9">
-            <a:extLst>
-              <a:ext uri="{FF2B5EF4-FFF2-40B4-BE49-F238E27FC236}">
-                <a16:creationId xmlns:a16="http://schemas.microsoft.com/office/drawing/2014/main" id="{0B67D982-25C5-4CC2-AA64-276BE3B2CA75}"/>
-              </a:ext>
-              <a:ext uri="{C183D7F6-B498-43B3-948B-1728B52AA6E4}">
-                <adec:decorative xmlns:adec="http://schemas.microsoft.com/office/drawing/2017/decorative" val="1"/>
-              </a:ext>
-            </a:extLst>
-          </p:cNvPr>
-          <p:cNvSpPr>
-            <a:spLocks noGrp="1" noRot="1" noChangeAspect="1" noMove="1" noResize="1" noEditPoints="1" noAdjustHandles="1" noChangeArrowheads="1" noChangeShapeType="1" noTextEdit="1"/>
-          </p:cNvSpPr>
-          <p:nvPr>
-            <p:extLst>
-              <p:ext uri="{386F3935-93C4-4BCD-93E2-E3B085C9AB24}">
-                <p16:designElem xmlns:p16="http://schemas.microsoft.com/office/powerpoint/2015/main" val="1"/>
-              </p:ext>
-            </p:extLst>
-          </p:nvPr>
-        </p:nvSpPr>
-        <p:spPr>
-          <a:xfrm>
-            <a:off x="0" y="0"/>
-            <a:ext cx="914400" cy="6858000"/>
-          </a:xfrm>
-          <a:prstGeom prst="rect">
-            <a:avLst/>
-          </a:prstGeom>
-          <a:solidFill>
-            <a:schemeClr val="accent1"/>
-          </a:solidFill>
-          <a:ln>
-            <a:noFill/>
-          </a:ln>
-        </p:spPr>
-        <p:style>
-          <a:lnRef idx="2">
-            <a:schemeClr val="accent1">
-              <a:shade val="50000"/>
-            </a:schemeClr>
-          </a:lnRef>
-          <a:fillRef idx="1">
-            <a:schemeClr val="accent1"/>
-          </a:fillRef>
-          <a:effectRef idx="0">
-            <a:schemeClr val="accent1"/>
-          </a:effectRef>
-          <a:fontRef idx="minor">
-            <a:schemeClr val="lt1"/>
-          </a:fontRef>
-        </p:style>
-      </p:sp>
-      <p:sp>
-        <p:nvSpPr>
-          <p:cNvPr id="3" name="Content Placeholder 2">
-            <a:extLst>
-              <a:ext uri="{FF2B5EF4-FFF2-40B4-BE49-F238E27FC236}">
-                <a16:creationId xmlns:a16="http://schemas.microsoft.com/office/drawing/2014/main" id="{6D5493FA-2DCA-05FA-B64D-9266E284351A}"/>
-              </a:ext>
-            </a:extLst>
-          </p:cNvPr>
-          <p:cNvSpPr>
-            <a:spLocks noGrp="1"/>
-          </p:cNvSpPr>
-          <p:nvPr>
-            <p:ph idx="1"/>
-          </p:nvPr>
-        </p:nvSpPr>
-        <p:spPr>
-          <a:xfrm>
-            <a:off x="1237489" y="2301555"/>
-            <a:ext cx="3075836" cy="3878582"/>
-          </a:xfrm>
-        </p:spPr>
-        <p:txBody>
-          <a:bodyPr>
-            <a:normAutofit/>
-          </a:bodyPr>
-          <a:lstStyle/>
-          <a:p>
-            <a:endParaRPr lang="en-US" sz="1600"/>
-          </a:p>
-        </p:txBody>
-      </p:sp>
-      <p:pic>
-        <p:nvPicPr>
-          <p:cNvPr id="5" name="Picture 4">
-            <a:extLst>
-              <a:ext uri="{FF2B5EF4-FFF2-40B4-BE49-F238E27FC236}">
-                <a16:creationId xmlns:a16="http://schemas.microsoft.com/office/drawing/2014/main" id="{57BA9F98-D64B-9189-E099-A0FE08A6967D}"/>
-              </a:ext>
-            </a:extLst>
-          </p:cNvPr>
-          <p:cNvPicPr>
-            <a:picLocks noChangeAspect="1"/>
-          </p:cNvPicPr>
-          <p:nvPr/>
-        </p:nvPicPr>
-        <p:blipFill rotWithShape="1">
-          <a:blip r:embed="rId3"/>
           <a:srcRect t="330" r="-2" b="8141"/>
           <a:stretch/>
         </p:blipFill>
@@ -24664,7 +24456,7 @@
 </p:sld>
 </file>
 
-<file path=ppt/slides/slide62.xml><?xml version="1.0" encoding="utf-8"?>
+<file path=ppt/slides/slide61.xml><?xml version="1.0" encoding="utf-8"?>
 <p:sld xmlns:a="http://schemas.openxmlformats.org/drawingml/2006/main" xmlns:r="http://schemas.openxmlformats.org/officeDocument/2006/relationships" xmlns:p="http://schemas.openxmlformats.org/presentationml/2006/main">
   <p:cSld>
     <p:spTree>
@@ -24803,7 +24595,7 @@
 </p:sld>
 </file>
 
-<file path=ppt/slides/slide63.xml><?xml version="1.0" encoding="utf-8"?>
+<file path=ppt/slides/slide62.xml><?xml version="1.0" encoding="utf-8"?>
 <p:sld xmlns:a="http://schemas.openxmlformats.org/drawingml/2006/main" xmlns:r="http://schemas.openxmlformats.org/officeDocument/2006/relationships" xmlns:p="http://schemas.openxmlformats.org/presentationml/2006/main">
   <p:cSld>
     <p:spTree>
@@ -24942,7 +24734,7 @@
 </p:sld>
 </file>
 
-<file path=ppt/slides/slide64.xml><?xml version="1.0" encoding="utf-8"?>
+<file path=ppt/slides/slide63.xml><?xml version="1.0" encoding="utf-8"?>
 <p:sld xmlns:a="http://schemas.openxmlformats.org/drawingml/2006/main" xmlns:r="http://schemas.openxmlformats.org/officeDocument/2006/relationships" xmlns:p="http://schemas.openxmlformats.org/presentationml/2006/main">
   <p:cSld>
     <p:spTree>
@@ -25168,7 +24960,7 @@
 </p:sld>
 </file>
 
-<file path=ppt/slides/slide65.xml><?xml version="1.0" encoding="utf-8"?>
+<file path=ppt/slides/slide64.xml><?xml version="1.0" encoding="utf-8"?>
 <p:sld xmlns:a="http://schemas.openxmlformats.org/drawingml/2006/main" xmlns:r="http://schemas.openxmlformats.org/officeDocument/2006/relationships" xmlns:p="http://schemas.openxmlformats.org/presentationml/2006/main">
   <p:cSld>
     <p:spTree>
@@ -25220,8 +25012,8 @@
           </a:p>
         </p:txBody>
       </p:sp>
-      <mc:AlternateContent xmlns:mc="http://schemas.openxmlformats.org/markup-compatibility/2006">
-        <mc:Choice xmlns:a14="http://schemas.microsoft.com/office/drawing/2010/main" Requires="a14">
+      <mc:AlternateContent xmlns:mc="http://schemas.openxmlformats.org/markup-compatibility/2006" xmlns:a14="http://schemas.microsoft.com/office/drawing/2010/main">
+        <mc:Choice Requires="a14">
           <p:sp>
             <p:nvSpPr>
               <p:cNvPr id="3" name="Content Placeholder 2"/>
@@ -25422,7 +25214,7 @@
             </p:txBody>
           </p:sp>
         </mc:Choice>
-        <mc:Fallback>
+        <mc:Fallback xmlns="">
           <p:sp>
             <p:nvSpPr>
               <p:cNvPr id="3" name="Content Placeholder 2"/>

--- a/Lecture05_Matching/Lecture5_Matching_2022F.pptx
+++ b/Lecture05_Matching/Lecture5_Matching_2022F.pptx
@@ -474,7 +474,7 @@
           <a:p>
             <a:fld id="{EF911157-0FC2-4F06-8D61-FD647FE4E19D}" type="datetimeFigureOut">
               <a:rPr lang="en-US" smtClean="0"/>
-              <a:t>10/7/2022</a:t>
+              <a:t>11/22/2022</a:t>
             </a:fld>
             <a:endParaRPr lang="en-US"/>
           </a:p>
@@ -794,6 +794,14 @@
               <a:buFont typeface="Arial" panose="020B0604020202020204" pitchFamily="34" charset="0"/>
               <a:buNone/>
             </a:pPr>
+            <a:r>
+              <a:rPr lang="en-US" dirty="0"/>
+              <a:t>To update in slides; https://twitter.com/noah_greifer/status/1594767637476786176?s=12&amp;t=JtoNtnM6S4Wz0WbZ5NfFxg (new package/method). Mention that R really is better for Stata when it comes </a:t>
+            </a:r>
+            <a:r>
+              <a:rPr lang="en-US"/>
+              <a:t>to matching. </a:t>
+            </a:r>
             <a:endParaRPr lang="en-US" dirty="0"/>
           </a:p>
         </p:txBody>
@@ -5745,7 +5753,7 @@
             <a:fld id="{0972D05C-DCFB-4BB6-B49C-AC126BF3ED2C}" type="datetimeFigureOut">
               <a:rPr lang="en-US" smtClean="0"/>
               <a:pPr/>
-              <a:t>10/7/2022</a:t>
+              <a:t>11/22/2022</a:t>
             </a:fld>
             <a:endParaRPr lang="en-US"/>
           </a:p>
@@ -5975,7 +5983,7 @@
             <a:fld id="{0972D05C-DCFB-4BB6-B49C-AC126BF3ED2C}" type="datetimeFigureOut">
               <a:rPr lang="en-US" smtClean="0"/>
               <a:pPr/>
-              <a:t>10/7/2022</a:t>
+              <a:t>11/22/2022</a:t>
             </a:fld>
             <a:endParaRPr lang="en-US"/>
           </a:p>
@@ -6157,7 +6165,7 @@
             <a:fld id="{0972D05C-DCFB-4BB6-B49C-AC126BF3ED2C}" type="datetimeFigureOut">
               <a:rPr lang="en-US" smtClean="0"/>
               <a:pPr/>
-              <a:t>10/7/2022</a:t>
+              <a:t>11/22/2022</a:t>
             </a:fld>
             <a:endParaRPr lang="en-US"/>
           </a:p>
@@ -6329,7 +6337,7 @@
             <a:fld id="{0972D05C-DCFB-4BB6-B49C-AC126BF3ED2C}" type="datetimeFigureOut">
               <a:rPr lang="en-US" smtClean="0"/>
               <a:pPr/>
-              <a:t>10/7/2022</a:t>
+              <a:t>11/22/2022</a:t>
             </a:fld>
             <a:endParaRPr lang="en-US"/>
           </a:p>
@@ -6585,7 +6593,7 @@
             <a:fld id="{0972D05C-DCFB-4BB6-B49C-AC126BF3ED2C}" type="datetimeFigureOut">
               <a:rPr lang="en-US" smtClean="0"/>
               <a:pPr/>
-              <a:t>10/7/2022</a:t>
+              <a:t>11/22/2022</a:t>
             </a:fld>
             <a:endParaRPr lang="en-US"/>
           </a:p>
@@ -6913,7 +6921,7 @@
             <a:fld id="{0972D05C-DCFB-4BB6-B49C-AC126BF3ED2C}" type="datetimeFigureOut">
               <a:rPr lang="en-US" smtClean="0"/>
               <a:pPr/>
-              <a:t>10/7/2022</a:t>
+              <a:t>11/22/2022</a:t>
             </a:fld>
             <a:endParaRPr lang="en-US"/>
           </a:p>
@@ -7366,7 +7374,7 @@
             <a:fld id="{0972D05C-DCFB-4BB6-B49C-AC126BF3ED2C}" type="datetimeFigureOut">
               <a:rPr lang="en-US" smtClean="0"/>
               <a:pPr/>
-              <a:t>10/7/2022</a:t>
+              <a:t>11/22/2022</a:t>
             </a:fld>
             <a:endParaRPr lang="en-US"/>
           </a:p>
@@ -7486,7 +7494,7 @@
             <a:fld id="{0972D05C-DCFB-4BB6-B49C-AC126BF3ED2C}" type="datetimeFigureOut">
               <a:rPr lang="en-US" smtClean="0"/>
               <a:pPr/>
-              <a:t>10/7/2022</a:t>
+              <a:t>11/22/2022</a:t>
             </a:fld>
             <a:endParaRPr lang="en-US"/>
           </a:p>
@@ -7583,7 +7591,7 @@
             <a:fld id="{0972D05C-DCFB-4BB6-B49C-AC126BF3ED2C}" type="datetimeFigureOut">
               <a:rPr lang="en-US" smtClean="0"/>
               <a:pPr/>
-              <a:t>10/7/2022</a:t>
+              <a:t>11/22/2022</a:t>
             </a:fld>
             <a:endParaRPr lang="en-US"/>
           </a:p>
@@ -7872,7 +7880,7 @@
             <a:fld id="{0972D05C-DCFB-4BB6-B49C-AC126BF3ED2C}" type="datetimeFigureOut">
               <a:rPr lang="en-US" smtClean="0"/>
               <a:pPr/>
-              <a:t>10/7/2022</a:t>
+              <a:t>11/22/2022</a:t>
             </a:fld>
             <a:endParaRPr lang="en-US"/>
           </a:p>
@@ -8196,7 +8204,7 @@
             <a:fld id="{0972D05C-DCFB-4BB6-B49C-AC126BF3ED2C}" type="datetimeFigureOut">
               <a:rPr lang="en-US" smtClean="0"/>
               <a:pPr/>
-              <a:t>10/7/2022</a:t>
+              <a:t>11/22/2022</a:t>
             </a:fld>
             <a:endParaRPr lang="en-US"/>
           </a:p>
@@ -8451,7 +8459,7 @@
             <a:fld id="{0972D05C-DCFB-4BB6-B49C-AC126BF3ED2C}" type="datetimeFigureOut">
               <a:rPr lang="en-US" smtClean="0"/>
               <a:pPr/>
-              <a:t>10/7/2022</a:t>
+              <a:t>11/22/2022</a:t>
             </a:fld>
             <a:endParaRPr lang="en-US" dirty="0"/>
           </a:p>
